--- a/04-git/Git.pptx
+++ b/04-git/Git.pptx
@@ -5,7 +5,7 @@
     <p:sldMasterId id="2147483780" r:id="rId1"/>
   </p:sldMasterIdLst>
   <p:notesMasterIdLst>
-    <p:notesMasterId r:id="rId21"/>
+    <p:notesMasterId r:id="rId22"/>
   </p:notesMasterIdLst>
   <p:sldIdLst>
     <p:sldId id="256" r:id="rId2"/>
@@ -15,18 +15,19 @@
     <p:sldId id="314" r:id="rId6"/>
     <p:sldId id="315" r:id="rId7"/>
     <p:sldId id="318" r:id="rId8"/>
-    <p:sldId id="308" r:id="rId9"/>
-    <p:sldId id="323" r:id="rId10"/>
-    <p:sldId id="259" r:id="rId11"/>
-    <p:sldId id="322" r:id="rId12"/>
-    <p:sldId id="319" r:id="rId13"/>
-    <p:sldId id="306" r:id="rId14"/>
-    <p:sldId id="324" r:id="rId15"/>
-    <p:sldId id="325" r:id="rId16"/>
-    <p:sldId id="310" r:id="rId17"/>
-    <p:sldId id="309" r:id="rId18"/>
-    <p:sldId id="312" r:id="rId19"/>
-    <p:sldId id="321" r:id="rId20"/>
+    <p:sldId id="327" r:id="rId9"/>
+    <p:sldId id="308" r:id="rId10"/>
+    <p:sldId id="323" r:id="rId11"/>
+    <p:sldId id="259" r:id="rId12"/>
+    <p:sldId id="322" r:id="rId13"/>
+    <p:sldId id="319" r:id="rId14"/>
+    <p:sldId id="306" r:id="rId15"/>
+    <p:sldId id="324" r:id="rId16"/>
+    <p:sldId id="325" r:id="rId17"/>
+    <p:sldId id="310" r:id="rId18"/>
+    <p:sldId id="309" r:id="rId19"/>
+    <p:sldId id="312" r:id="rId20"/>
+    <p:sldId id="321" r:id="rId21"/>
   </p:sldIdLst>
   <p:sldSz cx="9144000" cy="6858000" type="screen4x3"/>
   <p:notesSz cx="6858000" cy="9144000"/>
@@ -210,7 +211,7 @@
           <a:p>
             <a:fld id="{16E5F246-0B7D-44DF-8C1B-EDFCA5DA626A}" type="datetimeFigureOut">
               <a:rPr lang="ru-RU" smtClean="0"/>
-              <a:t>20.03.2014</a:t>
+              <a:t>21.03.2014</a:t>
             </a:fld>
             <a:endParaRPr lang="ru-RU"/>
           </a:p>
@@ -627,7 +628,7 @@
           <a:p>
             <a:fld id="{3BAECB10-9972-4830-A584-02C41DAFD45B}" type="slidenum">
               <a:rPr lang="ru-RU" smtClean="0"/>
-              <a:t>16</a:t>
+              <a:t>17</a:t>
             </a:fld>
             <a:endParaRPr lang="ru-RU"/>
           </a:p>
@@ -827,7 +828,7 @@
           <a:p>
             <a:fld id="{ED7A5A9E-355E-4F5A-82F5-195339D13266}" type="datetimeFigureOut">
               <a:rPr lang="ru-RU" smtClean="0"/>
-              <a:t>20.03.2014</a:t>
+              <a:t>21.03.2014</a:t>
             </a:fld>
             <a:endParaRPr lang="ru-RU"/>
           </a:p>
@@ -997,7 +998,7 @@
           <a:p>
             <a:fld id="{ED7A5A9E-355E-4F5A-82F5-195339D13266}" type="datetimeFigureOut">
               <a:rPr lang="ru-RU" smtClean="0"/>
-              <a:t>20.03.2014</a:t>
+              <a:t>21.03.2014</a:t>
             </a:fld>
             <a:endParaRPr lang="ru-RU"/>
           </a:p>
@@ -1177,7 +1178,7 @@
           <a:p>
             <a:fld id="{ED7A5A9E-355E-4F5A-82F5-195339D13266}" type="datetimeFigureOut">
               <a:rPr lang="ru-RU" smtClean="0"/>
-              <a:t>20.03.2014</a:t>
+              <a:t>21.03.2014</a:t>
             </a:fld>
             <a:endParaRPr lang="ru-RU"/>
           </a:p>
@@ -1347,7 +1348,7 @@
           <a:p>
             <a:fld id="{ED7A5A9E-355E-4F5A-82F5-195339D13266}" type="datetimeFigureOut">
               <a:rPr lang="ru-RU" smtClean="0"/>
-              <a:t>20.03.2014</a:t>
+              <a:t>21.03.2014</a:t>
             </a:fld>
             <a:endParaRPr lang="ru-RU"/>
           </a:p>
@@ -1593,7 +1594,7 @@
           <a:p>
             <a:fld id="{ED7A5A9E-355E-4F5A-82F5-195339D13266}" type="datetimeFigureOut">
               <a:rPr lang="ru-RU" smtClean="0"/>
-              <a:t>20.03.2014</a:t>
+              <a:t>21.03.2014</a:t>
             </a:fld>
             <a:endParaRPr lang="ru-RU"/>
           </a:p>
@@ -1881,7 +1882,7 @@
           <a:p>
             <a:fld id="{ED7A5A9E-355E-4F5A-82F5-195339D13266}" type="datetimeFigureOut">
               <a:rPr lang="ru-RU" smtClean="0"/>
-              <a:t>20.03.2014</a:t>
+              <a:t>21.03.2014</a:t>
             </a:fld>
             <a:endParaRPr lang="ru-RU"/>
           </a:p>
@@ -2303,7 +2304,7 @@
           <a:p>
             <a:fld id="{ED7A5A9E-355E-4F5A-82F5-195339D13266}" type="datetimeFigureOut">
               <a:rPr lang="ru-RU" smtClean="0"/>
-              <a:t>20.03.2014</a:t>
+              <a:t>21.03.2014</a:t>
             </a:fld>
             <a:endParaRPr lang="ru-RU"/>
           </a:p>
@@ -2421,7 +2422,7 @@
           <a:p>
             <a:fld id="{ED7A5A9E-355E-4F5A-82F5-195339D13266}" type="datetimeFigureOut">
               <a:rPr lang="ru-RU" smtClean="0"/>
-              <a:t>20.03.2014</a:t>
+              <a:t>21.03.2014</a:t>
             </a:fld>
             <a:endParaRPr lang="ru-RU"/>
           </a:p>
@@ -2516,7 +2517,7 @@
           <a:p>
             <a:fld id="{ED7A5A9E-355E-4F5A-82F5-195339D13266}" type="datetimeFigureOut">
               <a:rPr lang="ru-RU" smtClean="0"/>
-              <a:t>20.03.2014</a:t>
+              <a:t>21.03.2014</a:t>
             </a:fld>
             <a:endParaRPr lang="ru-RU"/>
           </a:p>
@@ -2793,7 +2794,7 @@
           <a:p>
             <a:fld id="{ED7A5A9E-355E-4F5A-82F5-195339D13266}" type="datetimeFigureOut">
               <a:rPr lang="ru-RU" smtClean="0"/>
-              <a:t>20.03.2014</a:t>
+              <a:t>21.03.2014</a:t>
             </a:fld>
             <a:endParaRPr lang="ru-RU"/>
           </a:p>
@@ -3046,7 +3047,7 @@
           <a:p>
             <a:fld id="{ED7A5A9E-355E-4F5A-82F5-195339D13266}" type="datetimeFigureOut">
               <a:rPr lang="ru-RU" smtClean="0"/>
-              <a:t>20.03.2014</a:t>
+              <a:t>21.03.2014</a:t>
             </a:fld>
             <a:endParaRPr lang="ru-RU"/>
           </a:p>
@@ -3259,7 +3260,7 @@
           <a:p>
             <a:fld id="{ED7A5A9E-355E-4F5A-82F5-195339D13266}" type="datetimeFigureOut">
               <a:rPr lang="ru-RU" smtClean="0"/>
-              <a:t>20.03.2014</a:t>
+              <a:t>21.03.2014</a:t>
             </a:fld>
             <a:endParaRPr lang="ru-RU"/>
           </a:p>
@@ -3682,13 +3683,8 @@
             </a:r>
             <a:r>
               <a:rPr lang="ru-RU" dirty="0" smtClean="0"/>
-              <a:t>, </a:t>
-            </a:r>
-            <a:r>
-              <a:rPr lang="ru-RU" dirty="0" smtClean="0"/>
-              <a:t>март 2014</a:t>
-            </a:r>
-            <a:endParaRPr lang="ru-RU" dirty="0" smtClean="0"/>
+              <a:t>, март 2014</a:t>
+            </a:r>
           </a:p>
           <a:p>
             <a:r>
@@ -3751,6 +3747,357 @@
         </p:nvSpPr>
         <p:spPr/>
         <p:txBody>
+          <a:bodyPr/>
+          <a:lstStyle/>
+          <a:p>
+            <a:r>
+              <a:rPr lang="ru-RU" dirty="0" smtClean="0"/>
+              <a:t>Настройка</a:t>
+            </a:r>
+            <a:endParaRPr lang="ru-RU" dirty="0"/>
+          </a:p>
+        </p:txBody>
+      </p:sp>
+      <p:sp>
+        <p:nvSpPr>
+          <p:cNvPr id="3" name="Объект 2"/>
+          <p:cNvSpPr>
+            <a:spLocks noGrp="1"/>
+          </p:cNvSpPr>
+          <p:nvPr>
+            <p:ph idx="1"/>
+          </p:nvPr>
+        </p:nvSpPr>
+        <p:spPr/>
+        <p:txBody>
+          <a:bodyPr/>
+          <a:lstStyle/>
+          <a:p>
+            <a:pPr marL="0" indent="0">
+              <a:buNone/>
+            </a:pPr>
+            <a:r>
+              <a:rPr lang="ru-RU" b="1" dirty="0" smtClean="0">
+                <a:solidFill>
+                  <a:schemeClr val="accent2">
+                    <a:lumMod val="50000"/>
+                  </a:schemeClr>
+                </a:solidFill>
+              </a:rPr>
+              <a:t>$ </a:t>
+            </a:r>
+            <a:r>
+              <a:rPr lang="en-US" b="1" dirty="0" err="1">
+                <a:solidFill>
+                  <a:schemeClr val="accent2">
+                    <a:lumMod val="50000"/>
+                  </a:schemeClr>
+                </a:solidFill>
+              </a:rPr>
+              <a:t>git</a:t>
+            </a:r>
+            <a:r>
+              <a:rPr lang="en-US" b="1" dirty="0">
+                <a:solidFill>
+                  <a:schemeClr val="accent2">
+                    <a:lumMod val="50000"/>
+                  </a:schemeClr>
+                </a:solidFill>
+              </a:rPr>
+              <a:t> </a:t>
+            </a:r>
+            <a:r>
+              <a:rPr lang="en-US" b="1" dirty="0" err="1">
+                <a:solidFill>
+                  <a:schemeClr val="accent2">
+                    <a:lumMod val="50000"/>
+                  </a:schemeClr>
+                </a:solidFill>
+              </a:rPr>
+              <a:t>config</a:t>
+            </a:r>
+            <a:r>
+              <a:rPr lang="en-US" b="1" dirty="0">
+                <a:solidFill>
+                  <a:schemeClr val="accent2">
+                    <a:lumMod val="50000"/>
+                  </a:schemeClr>
+                </a:solidFill>
+              </a:rPr>
+              <a:t> --global user.name </a:t>
+            </a:r>
+            <a:r>
+              <a:rPr lang="en-US" b="1" dirty="0" smtClean="0">
+                <a:solidFill>
+                  <a:schemeClr val="accent2">
+                    <a:lumMod val="50000"/>
+                  </a:schemeClr>
+                </a:solidFill>
+              </a:rPr>
+              <a:t>"Pavel </a:t>
+            </a:r>
+            <a:r>
+              <a:rPr lang="en-US" b="1" dirty="0" err="1" smtClean="0">
+                <a:solidFill>
+                  <a:schemeClr val="accent2">
+                    <a:lumMod val="50000"/>
+                  </a:schemeClr>
+                </a:solidFill>
+              </a:rPr>
+              <a:t>Egorov</a:t>
+            </a:r>
+            <a:r>
+              <a:rPr lang="en-US" b="1" dirty="0" smtClean="0">
+                <a:solidFill>
+                  <a:schemeClr val="accent2">
+                    <a:lumMod val="50000"/>
+                  </a:schemeClr>
+                </a:solidFill>
+              </a:rPr>
+              <a:t>"</a:t>
+            </a:r>
+            <a:endParaRPr lang="en-US" b="1" dirty="0">
+              <a:solidFill>
+                <a:schemeClr val="accent2">
+                  <a:lumMod val="50000"/>
+                </a:schemeClr>
+              </a:solidFill>
+            </a:endParaRPr>
+          </a:p>
+          <a:p>
+            <a:pPr marL="0" indent="0">
+              <a:buNone/>
+            </a:pPr>
+            <a:r>
+              <a:rPr lang="ru-RU" b="1" dirty="0" smtClean="0">
+                <a:solidFill>
+                  <a:schemeClr val="accent2">
+                    <a:lumMod val="50000"/>
+                  </a:schemeClr>
+                </a:solidFill>
+              </a:rPr>
+              <a:t>$ </a:t>
+            </a:r>
+            <a:r>
+              <a:rPr lang="en-US" b="1" dirty="0" err="1">
+                <a:solidFill>
+                  <a:schemeClr val="accent2">
+                    <a:lumMod val="50000"/>
+                  </a:schemeClr>
+                </a:solidFill>
+              </a:rPr>
+              <a:t>git</a:t>
+            </a:r>
+            <a:r>
+              <a:rPr lang="en-US" b="1" dirty="0">
+                <a:solidFill>
+                  <a:schemeClr val="accent2">
+                    <a:lumMod val="50000"/>
+                  </a:schemeClr>
+                </a:solidFill>
+              </a:rPr>
+              <a:t> </a:t>
+            </a:r>
+            <a:r>
+              <a:rPr lang="en-US" b="1" dirty="0" err="1">
+                <a:solidFill>
+                  <a:schemeClr val="accent2">
+                    <a:lumMod val="50000"/>
+                  </a:schemeClr>
+                </a:solidFill>
+              </a:rPr>
+              <a:t>config</a:t>
+            </a:r>
+            <a:r>
+              <a:rPr lang="en-US" b="1" dirty="0">
+                <a:solidFill>
+                  <a:schemeClr val="accent2">
+                    <a:lumMod val="50000"/>
+                  </a:schemeClr>
+                </a:solidFill>
+              </a:rPr>
+              <a:t> --global </a:t>
+            </a:r>
+            <a:r>
+              <a:rPr lang="en-US" b="1" dirty="0" err="1">
+                <a:solidFill>
+                  <a:schemeClr val="accent2">
+                    <a:lumMod val="50000"/>
+                  </a:schemeClr>
+                </a:solidFill>
+              </a:rPr>
+              <a:t>user.email</a:t>
+            </a:r>
+            <a:r>
+              <a:rPr lang="en-US" b="1" dirty="0">
+                <a:solidFill>
+                  <a:schemeClr val="accent2">
+                    <a:lumMod val="50000"/>
+                  </a:schemeClr>
+                </a:solidFill>
+              </a:rPr>
+              <a:t> </a:t>
+            </a:r>
+            <a:r>
+              <a:rPr lang="en-US" b="1" dirty="0" smtClean="0">
+                <a:solidFill>
+                  <a:schemeClr val="accent2">
+                    <a:lumMod val="50000"/>
+                  </a:schemeClr>
+                </a:solidFill>
+              </a:rPr>
+              <a:t>"pe@kontur.ru"</a:t>
+            </a:r>
+            <a:endParaRPr lang="en-US" b="1" dirty="0">
+              <a:solidFill>
+                <a:schemeClr val="accent2">
+                  <a:lumMod val="50000"/>
+                </a:schemeClr>
+              </a:solidFill>
+            </a:endParaRPr>
+          </a:p>
+          <a:p>
+            <a:pPr marL="0" indent="0">
+              <a:buNone/>
+            </a:pPr>
+            <a:r>
+              <a:rPr lang="en-US" dirty="0"/>
+              <a:t/>
+            </a:r>
+            <a:br>
+              <a:rPr lang="en-US" dirty="0"/>
+            </a:br>
+            <a:endParaRPr lang="ru-RU" dirty="0"/>
+          </a:p>
+        </p:txBody>
+      </p:sp>
+      <p:pic>
+        <p:nvPicPr>
+          <p:cNvPr id="4" name="Picture 2" descr="http://imagineannie.files.wordpress.com/2010/02/monkey_typing_jonk1.jpg?w=367&amp;h=244"/>
+          <p:cNvPicPr>
+            <a:picLocks noChangeAspect="1" noChangeArrowheads="1"/>
+          </p:cNvPicPr>
+          <p:nvPr/>
+        </p:nvPicPr>
+        <p:blipFill>
+          <a:blip r:embed="rId2">
+            <a:extLst>
+              <a:ext uri="{28A0092B-C50C-407E-A947-70E740481C1C}">
+                <a14:useLocalDpi xmlns:a14="http://schemas.microsoft.com/office/drawing/2010/main" val="0"/>
+              </a:ext>
+            </a:extLst>
+          </a:blip>
+          <a:srcRect/>
+          <a:stretch>
+            <a:fillRect/>
+          </a:stretch>
+        </p:blipFill>
+        <p:spPr bwMode="auto">
+          <a:xfrm>
+            <a:off x="5633717" y="4524374"/>
+            <a:ext cx="3495675" cy="2333626"/>
+          </a:xfrm>
+          <a:prstGeom prst="rect">
+            <a:avLst/>
+          </a:prstGeom>
+          <a:noFill/>
+          <a:extLst>
+            <a:ext uri="{909E8E84-426E-40DD-AFC4-6F175D3DCCD1}">
+              <a14:hiddenFill xmlns:a14="http://schemas.microsoft.com/office/drawing/2010/main">
+                <a:solidFill>
+                  <a:srgbClr val="FFFFFF"/>
+                </a:solidFill>
+              </a14:hiddenFill>
+            </a:ext>
+          </a:extLst>
+        </p:spPr>
+      </p:pic>
+      <p:sp>
+        <p:nvSpPr>
+          <p:cNvPr id="5" name="Прямоугольник 4"/>
+          <p:cNvSpPr/>
+          <p:nvPr/>
+        </p:nvSpPr>
+        <p:spPr>
+          <a:xfrm>
+            <a:off x="467544" y="6074132"/>
+            <a:ext cx="4266040" cy="523220"/>
+          </a:xfrm>
+          <a:prstGeom prst="rect">
+            <a:avLst/>
+          </a:prstGeom>
+        </p:spPr>
+        <p:txBody>
+          <a:bodyPr wrap="none">
+            <a:spAutoFit/>
+          </a:bodyPr>
+          <a:lstStyle/>
+          <a:p>
+            <a:r>
+              <a:rPr lang="en-US" sz="2800" dirty="0">
+                <a:hlinkClick r:id="rId3"/>
+              </a:rPr>
+              <a:t>http://</a:t>
+            </a:r>
+            <a:r>
+              <a:rPr lang="en-US" sz="2800" dirty="0" smtClean="0">
+                <a:hlinkClick r:id="rId3"/>
+              </a:rPr>
+              <a:t>git-scm.com/book/ru</a:t>
+            </a:r>
+            <a:endParaRPr lang="ru-RU" sz="2800" dirty="0"/>
+          </a:p>
+        </p:txBody>
+      </p:sp>
+    </p:spTree>
+    <p:extLst>
+      <p:ext uri="{BB962C8B-B14F-4D97-AF65-F5344CB8AC3E}">
+        <p14:creationId xmlns:p14="http://schemas.microsoft.com/office/powerpoint/2010/main" val="3047851420"/>
+      </p:ext>
+    </p:extLst>
+  </p:cSld>
+  <p:clrMapOvr>
+    <a:masterClrMapping/>
+  </p:clrMapOvr>
+  <p:timing>
+    <p:tnLst>
+      <p:par>
+        <p:cTn id="1" dur="indefinite" restart="never" nodeType="tmRoot"/>
+      </p:par>
+    </p:tnLst>
+  </p:timing>
+</p:sld>
+</file>
+
+<file path=ppt/slides/slide11.xml><?xml version="1.0" encoding="utf-8"?>
+<p:sld xmlns:a="http://schemas.openxmlformats.org/drawingml/2006/main" xmlns:r="http://schemas.openxmlformats.org/officeDocument/2006/relationships" xmlns:p="http://schemas.openxmlformats.org/presentationml/2006/main">
+  <p:cSld>
+    <p:spTree>
+      <p:nvGrpSpPr>
+        <p:cNvPr id="1" name=""/>
+        <p:cNvGrpSpPr/>
+        <p:nvPr/>
+      </p:nvGrpSpPr>
+      <p:grpSpPr>
+        <a:xfrm>
+          <a:off x="0" y="0"/>
+          <a:ext cx="0" cy="0"/>
+          <a:chOff x="0" y="0"/>
+          <a:chExt cx="0" cy="0"/>
+        </a:xfrm>
+      </p:grpSpPr>
+      <p:sp>
+        <p:nvSpPr>
+          <p:cNvPr id="2" name="Заголовок 1"/>
+          <p:cNvSpPr>
+            <a:spLocks noGrp="1"/>
+          </p:cNvSpPr>
+          <p:nvPr>
+            <p:ph type="title"/>
+          </p:nvPr>
+        </p:nvSpPr>
+        <p:spPr/>
+        <p:txBody>
           <a:bodyPr>
             <a:normAutofit/>
           </a:bodyPr>
@@ -4065,6 +4412,43 @@
           </a:extLst>
         </p:spPr>
       </p:pic>
+      <p:sp>
+        <p:nvSpPr>
+          <p:cNvPr id="6" name="Прямоугольник 5"/>
+          <p:cNvSpPr/>
+          <p:nvPr/>
+        </p:nvSpPr>
+        <p:spPr>
+          <a:xfrm>
+            <a:off x="467544" y="6093296"/>
+            <a:ext cx="4266040" cy="523220"/>
+          </a:xfrm>
+          <a:prstGeom prst="rect">
+            <a:avLst/>
+          </a:prstGeom>
+        </p:spPr>
+        <p:txBody>
+          <a:bodyPr wrap="none">
+            <a:spAutoFit/>
+          </a:bodyPr>
+          <a:lstStyle/>
+          <a:p>
+            <a:r>
+              <a:rPr lang="en-US" sz="2800" dirty="0">
+                <a:hlinkClick r:id="rId3"/>
+              </a:rPr>
+              <a:t>http://</a:t>
+            </a:r>
+            <a:r>
+              <a:rPr lang="en-US" sz="2800" dirty="0" smtClean="0">
+                <a:hlinkClick r:id="rId3"/>
+              </a:rPr>
+              <a:t>git-scm.com/book/ru</a:t>
+            </a:r>
+            <a:endParaRPr lang="ru-RU" sz="2800" dirty="0"/>
+          </a:p>
+        </p:txBody>
+      </p:sp>
     </p:spTree>
     <p:extLst>
       <p:ext uri="{BB962C8B-B14F-4D97-AF65-F5344CB8AC3E}">
@@ -4454,7 +4838,7 @@
 </p:sld>
 </file>
 
-<file path=ppt/slides/slide11.xml><?xml version="1.0" encoding="utf-8"?>
+<file path=ppt/slides/slide12.xml><?xml version="1.0" encoding="utf-8"?>
 <p:sld xmlns:a="http://schemas.openxmlformats.org/drawingml/2006/main" xmlns:r="http://schemas.openxmlformats.org/officeDocument/2006/relationships" xmlns:p="http://schemas.openxmlformats.org/presentationml/2006/main">
   <p:cSld>
     <p:spTree>
@@ -4746,7 +5130,7 @@
 </p:sld>
 </file>
 
-<file path=ppt/slides/slide12.xml><?xml version="1.0" encoding="utf-8"?>
+<file path=ppt/slides/slide13.xml><?xml version="1.0" encoding="utf-8"?>
 <p:sld xmlns:a="http://schemas.openxmlformats.org/drawingml/2006/main" xmlns:r="http://schemas.openxmlformats.org/officeDocument/2006/relationships" xmlns:p="http://schemas.openxmlformats.org/presentationml/2006/main">
   <p:cSld>
     <p:spTree>
@@ -4886,7 +5270,7 @@
 </p:sld>
 </file>
 
-<file path=ppt/slides/slide13.xml><?xml version="1.0" encoding="utf-8"?>
+<file path=ppt/slides/slide14.xml><?xml version="1.0" encoding="utf-8"?>
 <p:sld xmlns:a="http://schemas.openxmlformats.org/drawingml/2006/main" xmlns:r="http://schemas.openxmlformats.org/officeDocument/2006/relationships" xmlns:p="http://schemas.openxmlformats.org/presentationml/2006/main">
   <p:cSld>
     <p:spTree>
@@ -5052,7 +5436,7 @@
 </p:sld>
 </file>
 
-<file path=ppt/slides/slide14.xml><?xml version="1.0" encoding="utf-8"?>
+<file path=ppt/slides/slide15.xml><?xml version="1.0" encoding="utf-8"?>
 <p:sld xmlns:a="http://schemas.openxmlformats.org/drawingml/2006/main" xmlns:r="http://schemas.openxmlformats.org/officeDocument/2006/relationships" xmlns:p="http://schemas.openxmlformats.org/presentationml/2006/main">
   <p:cSld>
     <p:spTree>
@@ -5365,7 +5749,7 @@
 </p:sld>
 </file>
 
-<file path=ppt/slides/slide15.xml><?xml version="1.0" encoding="utf-8"?>
+<file path=ppt/slides/slide16.xml><?xml version="1.0" encoding="utf-8"?>
 <p:sld xmlns:a="http://schemas.openxmlformats.org/drawingml/2006/main" xmlns:r="http://schemas.openxmlformats.org/officeDocument/2006/relationships" xmlns:p="http://schemas.openxmlformats.org/presentationml/2006/main">
   <p:cSld>
     <p:spTree>
@@ -5610,7 +5994,7 @@
 </p:sld>
 </file>
 
-<file path=ppt/slides/slide16.xml><?xml version="1.0" encoding="utf-8"?>
+<file path=ppt/slides/slide17.xml><?xml version="1.0" encoding="utf-8"?>
 <p:sld xmlns:a="http://schemas.openxmlformats.org/drawingml/2006/main" xmlns:r="http://schemas.openxmlformats.org/officeDocument/2006/relationships" xmlns:p="http://schemas.openxmlformats.org/presentationml/2006/main">
   <p:cSld>
     <p:spTree>
@@ -6036,7 +6420,7 @@
 </p:sld>
 </file>
 
-<file path=ppt/slides/slide17.xml><?xml version="1.0" encoding="utf-8"?>
+<file path=ppt/slides/slide18.xml><?xml version="1.0" encoding="utf-8"?>
 <p:sld xmlns:a="http://schemas.openxmlformats.org/drawingml/2006/main" xmlns:r="http://schemas.openxmlformats.org/officeDocument/2006/relationships" xmlns:p="http://schemas.openxmlformats.org/presentationml/2006/main">
   <p:cSld>
     <p:spTree>
@@ -6545,94 +6929,6 @@
 </p:sld>
 </file>
 
-<file path=ppt/slides/slide18.xml><?xml version="1.0" encoding="utf-8"?>
-<p:sld xmlns:a="http://schemas.openxmlformats.org/drawingml/2006/main" xmlns:r="http://schemas.openxmlformats.org/officeDocument/2006/relationships" xmlns:p="http://schemas.openxmlformats.org/presentationml/2006/main">
-  <p:cSld>
-    <p:spTree>
-      <p:nvGrpSpPr>
-        <p:cNvPr id="1" name=""/>
-        <p:cNvGrpSpPr/>
-        <p:nvPr/>
-      </p:nvGrpSpPr>
-      <p:grpSpPr>
-        <a:xfrm>
-          <a:off x="0" y="0"/>
-          <a:ext cx="0" cy="0"/>
-          <a:chOff x="0" y="0"/>
-          <a:chExt cx="0" cy="0"/>
-        </a:xfrm>
-      </p:grpSpPr>
-      <p:sp>
-        <p:nvSpPr>
-          <p:cNvPr id="2" name="Заголовок 1"/>
-          <p:cNvSpPr>
-            <a:spLocks noGrp="1"/>
-          </p:cNvSpPr>
-          <p:nvPr>
-            <p:ph type="title"/>
-          </p:nvPr>
-        </p:nvSpPr>
-        <p:spPr/>
-        <p:txBody>
-          <a:bodyPr/>
-          <a:lstStyle/>
-          <a:p>
-            <a:r>
-              <a:rPr lang="ru-RU" dirty="0" smtClean="0"/>
-              <a:t>Игра</a:t>
-            </a:r>
-            <a:endParaRPr lang="ru-RU" dirty="0"/>
-          </a:p>
-        </p:txBody>
-      </p:sp>
-      <p:sp>
-        <p:nvSpPr>
-          <p:cNvPr id="3" name="Объект 2"/>
-          <p:cNvSpPr>
-            <a:spLocks noGrp="1"/>
-          </p:cNvSpPr>
-          <p:nvPr>
-            <p:ph idx="1"/>
-          </p:nvPr>
-        </p:nvSpPr>
-        <p:spPr/>
-        <p:txBody>
-          <a:bodyPr/>
-          <a:lstStyle/>
-          <a:p>
-            <a:pPr marL="0" indent="0">
-              <a:buNone/>
-            </a:pPr>
-            <a:r>
-              <a:rPr lang="en-US" dirty="0">
-                <a:hlinkClick r:id="rId2"/>
-              </a:rPr>
-              <a:t>http://pcottle.github.io/learnGitBranching/</a:t>
-            </a:r>
-            <a:endParaRPr lang="ru-RU" dirty="0"/>
-          </a:p>
-        </p:txBody>
-      </p:sp>
-    </p:spTree>
-    <p:extLst>
-      <p:ext uri="{BB962C8B-B14F-4D97-AF65-F5344CB8AC3E}">
-        <p14:creationId xmlns:p14="http://schemas.microsoft.com/office/powerpoint/2010/main" val="323399622"/>
-      </p:ext>
-    </p:extLst>
-  </p:cSld>
-  <p:clrMapOvr>
-    <a:masterClrMapping/>
-  </p:clrMapOvr>
-  <p:timing>
-    <p:tnLst>
-      <p:par>
-        <p:cTn id="1" dur="indefinite" restart="never" nodeType="tmRoot"/>
-      </p:par>
-    </p:tnLst>
-  </p:timing>
-</p:sld>
-</file>
-
 <file path=ppt/slides/slide19.xml><?xml version="1.0" encoding="utf-8"?>
 <p:sld xmlns:a="http://schemas.openxmlformats.org/drawingml/2006/main" xmlns:r="http://schemas.openxmlformats.org/officeDocument/2006/relationships" xmlns:p="http://schemas.openxmlformats.org/presentationml/2006/main">
   <p:cSld>
@@ -6662,14 +6958,12 @@
         </p:nvSpPr>
         <p:spPr/>
         <p:txBody>
-          <a:bodyPr>
-            <a:normAutofit/>
-          </a:bodyPr>
+          <a:bodyPr/>
           <a:lstStyle/>
           <a:p>
             <a:r>
               <a:rPr lang="ru-RU" dirty="0" smtClean="0"/>
-              <a:t>Что читать?</a:t>
+              <a:t>Игра</a:t>
             </a:r>
             <a:endParaRPr lang="ru-RU" dirty="0"/>
           </a:p>
@@ -6690,128 +6984,15 @@
           <a:bodyPr/>
           <a:lstStyle/>
           <a:p>
-            <a:r>
-              <a:rPr lang="en-US" b="1" dirty="0">
-                <a:solidFill>
-                  <a:schemeClr val="accent2">
-                    <a:lumMod val="50000"/>
-                  </a:schemeClr>
-                </a:solidFill>
-                <a:latin typeface="Consolas" panose="020B0609020204030204" pitchFamily="49" charset="0"/>
-                <a:cs typeface="Consolas" panose="020B0609020204030204" pitchFamily="49" charset="0"/>
-              </a:rPr>
-              <a:t>$ </a:t>
-            </a:r>
-            <a:r>
-              <a:rPr lang="en-US" b="1" dirty="0" err="1" smtClean="0">
-                <a:solidFill>
-                  <a:schemeClr val="accent2">
-                    <a:lumMod val="50000"/>
-                  </a:schemeClr>
-                </a:solidFill>
-                <a:latin typeface="Consolas" panose="020B0609020204030204" pitchFamily="49" charset="0"/>
-                <a:cs typeface="Consolas" panose="020B0609020204030204" pitchFamily="49" charset="0"/>
-              </a:rPr>
-              <a:t>git</a:t>
-            </a:r>
-            <a:r>
-              <a:rPr lang="en-US" b="1" dirty="0" smtClean="0">
-                <a:solidFill>
-                  <a:schemeClr val="accent2">
-                    <a:lumMod val="50000"/>
-                  </a:schemeClr>
-                </a:solidFill>
-                <a:latin typeface="Consolas" panose="020B0609020204030204" pitchFamily="49" charset="0"/>
-                <a:cs typeface="Consolas" panose="020B0609020204030204" pitchFamily="49" charset="0"/>
-              </a:rPr>
-              <a:t> help &lt;command&gt;</a:t>
-            </a:r>
-            <a:endParaRPr lang="en-US" b="1" dirty="0">
-              <a:solidFill>
-                <a:schemeClr val="accent2">
-                  <a:lumMod val="50000"/>
-                </a:schemeClr>
-              </a:solidFill>
-              <a:latin typeface="Consolas" panose="020B0609020204030204" pitchFamily="49" charset="0"/>
-              <a:cs typeface="Consolas" panose="020B0609020204030204" pitchFamily="49" charset="0"/>
-              <a:hlinkClick r:id="rId2"/>
-            </a:endParaRPr>
-          </a:p>
-          <a:p>
-            <a:r>
-              <a:rPr lang="en-US" dirty="0" smtClean="0">
+            <a:pPr marL="0" indent="0">
+              <a:buNone/>
+            </a:pPr>
+            <a:r>
+              <a:rPr lang="en-US" dirty="0">
                 <a:hlinkClick r:id="rId2"/>
               </a:rPr>
-              <a:t>Pro </a:t>
-            </a:r>
-            <a:r>
-              <a:rPr lang="en-US" dirty="0" err="1" smtClean="0">
-                <a:hlinkClick r:id="rId2"/>
-              </a:rPr>
-              <a:t>Git</a:t>
-            </a:r>
-            <a:r>
-              <a:rPr lang="en-US" dirty="0" smtClean="0">
-                <a:hlinkClick r:id="rId2"/>
-              </a:rPr>
-              <a:t> Book</a:t>
-            </a:r>
-            <a:r>
-              <a:rPr lang="en-US" dirty="0" smtClean="0"/>
-              <a:t> (</a:t>
-            </a:r>
-            <a:r>
-              <a:rPr lang="en-US" dirty="0" err="1" smtClean="0"/>
-              <a:t>ru</a:t>
-            </a:r>
-            <a:r>
-              <a:rPr lang="en-US" dirty="0" smtClean="0"/>
-              <a:t>)</a:t>
-            </a:r>
-            <a:endParaRPr lang="ru-RU" dirty="0" smtClean="0"/>
-          </a:p>
-          <a:p>
-            <a:r>
-              <a:rPr lang="en-US" dirty="0">
-                <a:hlinkClick r:id="rId3"/>
-              </a:rPr>
-              <a:t>Tech Talk: Linus Torvalds on </a:t>
-            </a:r>
-            <a:r>
-              <a:rPr lang="en-US" dirty="0" err="1" smtClean="0">
-                <a:hlinkClick r:id="rId3"/>
-              </a:rPr>
-              <a:t>git</a:t>
-            </a:r>
-            <a:r>
-              <a:rPr lang="en-US" dirty="0" smtClean="0"/>
-              <a:t> </a:t>
-            </a:r>
-            <a:r>
-              <a:rPr lang="en-US" dirty="0"/>
-              <a:t>(video</a:t>
-            </a:r>
-            <a:r>
-              <a:rPr lang="en-US" dirty="0" smtClean="0"/>
-              <a:t>)</a:t>
-            </a:r>
-          </a:p>
-          <a:p>
-            <a:r>
-              <a:rPr lang="en-US" dirty="0">
-                <a:hlinkClick r:id="rId4"/>
-              </a:rPr>
               <a:t>http://pcottle.github.io/learnGitBranching/</a:t>
             </a:r>
-            <a:endParaRPr lang="ru-RU"/>
-          </a:p>
-          <a:p>
-            <a:endParaRPr lang="en-US" dirty="0"/>
-          </a:p>
-          <a:p>
-            <a:pPr marL="0" indent="0">
-              <a:buNone/>
-            </a:pPr>
             <a:endParaRPr lang="ru-RU" dirty="0"/>
           </a:p>
         </p:txBody>
@@ -6819,7 +7000,7 @@
     </p:spTree>
     <p:extLst>
       <p:ext uri="{BB962C8B-B14F-4D97-AF65-F5344CB8AC3E}">
-        <p14:creationId xmlns:p14="http://schemas.microsoft.com/office/powerpoint/2010/main" val="2225737966"/>
+        <p14:creationId xmlns:p14="http://schemas.microsoft.com/office/powerpoint/2010/main" val="323399622"/>
       </p:ext>
     </p:extLst>
   </p:cSld>
@@ -6880,6 +7061,209 @@
     <p:extLst>
       <p:ext uri="{BB962C8B-B14F-4D97-AF65-F5344CB8AC3E}">
         <p14:creationId xmlns:p14="http://schemas.microsoft.com/office/powerpoint/2010/main" val="1899918080"/>
+      </p:ext>
+    </p:extLst>
+  </p:cSld>
+  <p:clrMapOvr>
+    <a:masterClrMapping/>
+  </p:clrMapOvr>
+  <p:timing>
+    <p:tnLst>
+      <p:par>
+        <p:cTn id="1" dur="indefinite" restart="never" nodeType="tmRoot"/>
+      </p:par>
+    </p:tnLst>
+  </p:timing>
+</p:sld>
+</file>
+
+<file path=ppt/slides/slide20.xml><?xml version="1.0" encoding="utf-8"?>
+<p:sld xmlns:a="http://schemas.openxmlformats.org/drawingml/2006/main" xmlns:r="http://schemas.openxmlformats.org/officeDocument/2006/relationships" xmlns:p="http://schemas.openxmlformats.org/presentationml/2006/main">
+  <p:cSld>
+    <p:spTree>
+      <p:nvGrpSpPr>
+        <p:cNvPr id="1" name=""/>
+        <p:cNvGrpSpPr/>
+        <p:nvPr/>
+      </p:nvGrpSpPr>
+      <p:grpSpPr>
+        <a:xfrm>
+          <a:off x="0" y="0"/>
+          <a:ext cx="0" cy="0"/>
+          <a:chOff x="0" y="0"/>
+          <a:chExt cx="0" cy="0"/>
+        </a:xfrm>
+      </p:grpSpPr>
+      <p:sp>
+        <p:nvSpPr>
+          <p:cNvPr id="2" name="Заголовок 1"/>
+          <p:cNvSpPr>
+            <a:spLocks noGrp="1"/>
+          </p:cNvSpPr>
+          <p:nvPr>
+            <p:ph type="title"/>
+          </p:nvPr>
+        </p:nvSpPr>
+        <p:spPr/>
+        <p:txBody>
+          <a:bodyPr>
+            <a:normAutofit/>
+          </a:bodyPr>
+          <a:lstStyle/>
+          <a:p>
+            <a:r>
+              <a:rPr lang="ru-RU" dirty="0" smtClean="0"/>
+              <a:t>Что читать?</a:t>
+            </a:r>
+            <a:endParaRPr lang="ru-RU" dirty="0"/>
+          </a:p>
+        </p:txBody>
+      </p:sp>
+      <p:sp>
+        <p:nvSpPr>
+          <p:cNvPr id="3" name="Объект 2"/>
+          <p:cNvSpPr>
+            <a:spLocks noGrp="1"/>
+          </p:cNvSpPr>
+          <p:nvPr>
+            <p:ph idx="1"/>
+          </p:nvPr>
+        </p:nvSpPr>
+        <p:spPr/>
+        <p:txBody>
+          <a:bodyPr/>
+          <a:lstStyle/>
+          <a:p>
+            <a:r>
+              <a:rPr lang="en-US" b="1" dirty="0">
+                <a:solidFill>
+                  <a:schemeClr val="accent2">
+                    <a:lumMod val="50000"/>
+                  </a:schemeClr>
+                </a:solidFill>
+                <a:latin typeface="Consolas" panose="020B0609020204030204" pitchFamily="49" charset="0"/>
+                <a:cs typeface="Consolas" panose="020B0609020204030204" pitchFamily="49" charset="0"/>
+              </a:rPr>
+              <a:t>$ </a:t>
+            </a:r>
+            <a:r>
+              <a:rPr lang="en-US" b="1" dirty="0" err="1" smtClean="0">
+                <a:solidFill>
+                  <a:schemeClr val="accent2">
+                    <a:lumMod val="50000"/>
+                  </a:schemeClr>
+                </a:solidFill>
+                <a:latin typeface="Consolas" panose="020B0609020204030204" pitchFamily="49" charset="0"/>
+                <a:cs typeface="Consolas" panose="020B0609020204030204" pitchFamily="49" charset="0"/>
+              </a:rPr>
+              <a:t>git</a:t>
+            </a:r>
+            <a:r>
+              <a:rPr lang="en-US" b="1" dirty="0" smtClean="0">
+                <a:solidFill>
+                  <a:schemeClr val="accent2">
+                    <a:lumMod val="50000"/>
+                  </a:schemeClr>
+                </a:solidFill>
+                <a:latin typeface="Consolas" panose="020B0609020204030204" pitchFamily="49" charset="0"/>
+                <a:cs typeface="Consolas" panose="020B0609020204030204" pitchFamily="49" charset="0"/>
+              </a:rPr>
+              <a:t> help &lt;command&gt;</a:t>
+            </a:r>
+            <a:endParaRPr lang="en-US" b="1" dirty="0">
+              <a:solidFill>
+                <a:schemeClr val="accent2">
+                  <a:lumMod val="50000"/>
+                </a:schemeClr>
+              </a:solidFill>
+              <a:latin typeface="Consolas" panose="020B0609020204030204" pitchFamily="49" charset="0"/>
+              <a:cs typeface="Consolas" panose="020B0609020204030204" pitchFamily="49" charset="0"/>
+              <a:hlinkClick r:id="rId2"/>
+            </a:endParaRPr>
+          </a:p>
+          <a:p>
+            <a:r>
+              <a:rPr lang="en-US" dirty="0" smtClean="0">
+                <a:hlinkClick r:id="rId2"/>
+              </a:rPr>
+              <a:t>Pro </a:t>
+            </a:r>
+            <a:r>
+              <a:rPr lang="en-US" dirty="0" err="1" smtClean="0">
+                <a:hlinkClick r:id="rId2"/>
+              </a:rPr>
+              <a:t>Git</a:t>
+            </a:r>
+            <a:r>
+              <a:rPr lang="en-US" dirty="0" smtClean="0">
+                <a:hlinkClick r:id="rId2"/>
+              </a:rPr>
+              <a:t> Book</a:t>
+            </a:r>
+            <a:r>
+              <a:rPr lang="en-US" dirty="0" smtClean="0"/>
+              <a:t> (</a:t>
+            </a:r>
+            <a:r>
+              <a:rPr lang="en-US" dirty="0" err="1" smtClean="0"/>
+              <a:t>ru</a:t>
+            </a:r>
+            <a:r>
+              <a:rPr lang="en-US" dirty="0" smtClean="0"/>
+              <a:t>)</a:t>
+            </a:r>
+            <a:endParaRPr lang="ru-RU" dirty="0" smtClean="0"/>
+          </a:p>
+          <a:p>
+            <a:r>
+              <a:rPr lang="en-US" dirty="0">
+                <a:hlinkClick r:id="rId3"/>
+              </a:rPr>
+              <a:t>Tech Talk: Linus Torvalds on </a:t>
+            </a:r>
+            <a:r>
+              <a:rPr lang="en-US" dirty="0" err="1" smtClean="0">
+                <a:hlinkClick r:id="rId3"/>
+              </a:rPr>
+              <a:t>git</a:t>
+            </a:r>
+            <a:r>
+              <a:rPr lang="en-US" dirty="0" smtClean="0"/>
+              <a:t> </a:t>
+            </a:r>
+            <a:r>
+              <a:rPr lang="en-US" dirty="0"/>
+              <a:t>(video</a:t>
+            </a:r>
+            <a:r>
+              <a:rPr lang="en-US" dirty="0" smtClean="0"/>
+              <a:t>)</a:t>
+            </a:r>
+          </a:p>
+          <a:p>
+            <a:r>
+              <a:rPr lang="en-US" dirty="0">
+                <a:hlinkClick r:id="rId4"/>
+              </a:rPr>
+              <a:t>http://pcottle.github.io/learnGitBranching/</a:t>
+            </a:r>
+            <a:endParaRPr lang="ru-RU"/>
+          </a:p>
+          <a:p>
+            <a:endParaRPr lang="en-US" dirty="0"/>
+          </a:p>
+          <a:p>
+            <a:pPr marL="0" indent="0">
+              <a:buNone/>
+            </a:pPr>
+            <a:endParaRPr lang="ru-RU" dirty="0"/>
+          </a:p>
+        </p:txBody>
+      </p:sp>
+    </p:spTree>
+    <p:extLst>
+      <p:ext uri="{BB962C8B-B14F-4D97-AF65-F5344CB8AC3E}">
+        <p14:creationId xmlns:p14="http://schemas.microsoft.com/office/powerpoint/2010/main" val="2225737966"/>
       </p:ext>
     </p:extLst>
   </p:cSld>
@@ -7950,7 +8334,12 @@
             <p:ph type="title"/>
           </p:nvPr>
         </p:nvSpPr>
-        <p:spPr/>
+        <p:spPr>
+          <a:xfrm>
+            <a:off x="-468560" y="274638"/>
+            <a:ext cx="8229600" cy="1143000"/>
+          </a:xfrm>
+        </p:spPr>
         <p:txBody>
           <a:bodyPr/>
           <a:lstStyle/>
@@ -8035,7 +8424,7 @@
         </p:blipFill>
         <p:spPr bwMode="auto">
           <a:xfrm>
-            <a:off x="1547664" y="1231190"/>
+            <a:off x="1187624" y="1237694"/>
             <a:ext cx="7292330" cy="5485102"/>
           </a:xfrm>
           <a:prstGeom prst="rect">
@@ -8142,7 +8531,7 @@
 </file>
 
 <file path=ppt/slides/slide7.xml><?xml version="1.0" encoding="utf-8"?>
-<p:sld xmlns:a="http://schemas.openxmlformats.org/drawingml/2006/main" xmlns:r="http://schemas.openxmlformats.org/officeDocument/2006/relationships" xmlns:p="http://schemas.openxmlformats.org/presentationml/2006/main">
+<p:sld xmlns:a="http://schemas.openxmlformats.org/drawingml/2006/main" xmlns:r="http://schemas.openxmlformats.org/officeDocument/2006/relationships" xmlns:p="http://schemas.openxmlformats.org/presentationml/2006/main" show="0">
   <p:cSld>
     <p:spTree>
       <p:nvGrpSpPr>
@@ -8714,6 +9103,46 @@
           </a:fontRef>
         </p:style>
       </p:cxnSp>
+      <p:sp>
+        <p:nvSpPr>
+          <p:cNvPr id="11" name="Овал 10"/>
+          <p:cNvSpPr/>
+          <p:nvPr/>
+        </p:nvSpPr>
+        <p:spPr>
+          <a:xfrm>
+            <a:off x="8229092" y="3073453"/>
+            <a:ext cx="648072" cy="432048"/>
+          </a:xfrm>
+          <a:prstGeom prst="ellipse">
+            <a:avLst/>
+          </a:prstGeom>
+          <a:noFill/>
+          <a:ln w="76200"/>
+        </p:spPr>
+        <p:style>
+          <a:lnRef idx="2">
+            <a:schemeClr val="accent2"/>
+          </a:lnRef>
+          <a:fillRef idx="1">
+            <a:schemeClr val="lt1"/>
+          </a:fillRef>
+          <a:effectRef idx="0">
+            <a:schemeClr val="accent2"/>
+          </a:effectRef>
+          <a:fontRef idx="minor">
+            <a:schemeClr val="dk1"/>
+          </a:fontRef>
+        </p:style>
+        <p:txBody>
+          <a:bodyPr rtlCol="0" anchor="ctr"/>
+          <a:lstStyle/>
+          <a:p>
+            <a:pPr algn="ctr"/>
+            <a:endParaRPr lang="ru-RU"/>
+          </a:p>
+        </p:txBody>
+      </p:sp>
     </p:spTree>
     <p:extLst>
       <p:ext uri="{BB962C8B-B14F-4D97-AF65-F5344CB8AC3E}">
@@ -8724,6 +9153,14 @@
   <p:clrMapOvr>
     <a:masterClrMapping/>
   </p:clrMapOvr>
+  <mc:AlternateContent xmlns:mc="http://schemas.openxmlformats.org/markup-compatibility/2006">
+    <mc:Choice xmlns:p14="http://schemas.microsoft.com/office/powerpoint/2010/main" Requires="p14">
+      <p:transition spd="slow" p14:dur="2000"/>
+    </mc:Choice>
+    <mc:Fallback>
+      <p:transition spd="slow"/>
+    </mc:Fallback>
+  </mc:AlternateContent>
   <p:timing>
     <p:tnLst>
       <p:par>
@@ -9045,6 +9482,150 @@
                       </p:childTnLst>
                     </p:cTn>
                   </p:par>
+                  <p:par>
+                    <p:cTn id="29" fill="hold">
+                      <p:stCondLst>
+                        <p:cond delay="indefinite"/>
+                      </p:stCondLst>
+                      <p:childTnLst>
+                        <p:par>
+                          <p:cTn id="30" fill="hold">
+                            <p:stCondLst>
+                              <p:cond delay="0"/>
+                            </p:stCondLst>
+                            <p:childTnLst>
+                              <p:par>
+                                <p:cTn id="31" presetID="1" presetClass="entr" presetSubtype="0" fill="hold" nodeType="clickEffect">
+                                  <p:stCondLst>
+                                    <p:cond delay="0"/>
+                                  </p:stCondLst>
+                                  <p:childTnLst>
+                                    <p:set>
+                                      <p:cBhvr>
+                                        <p:cTn id="32" dur="1" fill="hold">
+                                          <p:stCondLst>
+                                            <p:cond delay="0"/>
+                                          </p:stCondLst>
+                                        </p:cTn>
+                                        <p:tgtEl>
+                                          <p:spTgt spid="5"/>
+                                        </p:tgtEl>
+                                        <p:attrNameLst>
+                                          <p:attrName>style.visibility</p:attrName>
+                                        </p:attrNameLst>
+                                      </p:cBhvr>
+                                      <p:to>
+                                        <p:strVal val="visible"/>
+                                      </p:to>
+                                    </p:set>
+                                  </p:childTnLst>
+                                </p:cTn>
+                              </p:par>
+                            </p:childTnLst>
+                          </p:cTn>
+                        </p:par>
+                      </p:childTnLst>
+                    </p:cTn>
+                  </p:par>
+                  <p:par>
+                    <p:cTn id="33" fill="hold">
+                      <p:stCondLst>
+                        <p:cond delay="indefinite"/>
+                      </p:stCondLst>
+                      <p:childTnLst>
+                        <p:par>
+                          <p:cTn id="34" fill="hold">
+                            <p:stCondLst>
+                              <p:cond delay="0"/>
+                            </p:stCondLst>
+                            <p:childTnLst>
+                              <p:par>
+                                <p:cTn id="35" presetID="1" presetClass="entr" presetSubtype="0" fill="hold" grpId="0" nodeType="clickEffect">
+                                  <p:stCondLst>
+                                    <p:cond delay="0"/>
+                                  </p:stCondLst>
+                                  <p:childTnLst>
+                                    <p:set>
+                                      <p:cBhvr>
+                                        <p:cTn id="36" dur="1" fill="hold">
+                                          <p:stCondLst>
+                                            <p:cond delay="0"/>
+                                          </p:stCondLst>
+                                        </p:cTn>
+                                        <p:tgtEl>
+                                          <p:spTgt spid="8"/>
+                                        </p:tgtEl>
+                                        <p:attrNameLst>
+                                          <p:attrName>style.visibility</p:attrName>
+                                        </p:attrNameLst>
+                                      </p:cBhvr>
+                                      <p:to>
+                                        <p:strVal val="visible"/>
+                                      </p:to>
+                                    </p:set>
+                                  </p:childTnLst>
+                                </p:cTn>
+                              </p:par>
+                              <p:par>
+                                <p:cTn id="37" presetID="1" presetClass="entr" presetSubtype="0" fill="hold" nodeType="withEffect">
+                                  <p:stCondLst>
+                                    <p:cond delay="0"/>
+                                  </p:stCondLst>
+                                  <p:childTnLst>
+                                    <p:set>
+                                      <p:cBhvr>
+                                        <p:cTn id="38" dur="1" fill="hold">
+                                          <p:stCondLst>
+                                            <p:cond delay="0"/>
+                                          </p:stCondLst>
+                                        </p:cTn>
+                                        <p:tgtEl>
+                                          <p:spTgt spid="10"/>
+                                        </p:tgtEl>
+                                        <p:attrNameLst>
+                                          <p:attrName>style.visibility</p:attrName>
+                                        </p:attrNameLst>
+                                      </p:cBhvr>
+                                      <p:to>
+                                        <p:strVal val="visible"/>
+                                      </p:to>
+                                    </p:set>
+                                  </p:childTnLst>
+                                </p:cTn>
+                              </p:par>
+                              <p:par>
+                                <p:cTn id="39" presetID="1" presetClass="entr" presetSubtype="0" fill="hold" grpId="0" nodeType="withEffect">
+                                  <p:stCondLst>
+                                    <p:cond delay="0"/>
+                                  </p:stCondLst>
+                                  <p:childTnLst>
+                                    <p:set>
+                                      <p:cBhvr>
+                                        <p:cTn id="40" dur="1" fill="hold">
+                                          <p:stCondLst>
+                                            <p:cond delay="0"/>
+                                          </p:stCondLst>
+                                        </p:cTn>
+                                        <p:tgtEl>
+                                          <p:spTgt spid="11"/>
+                                        </p:tgtEl>
+                                        <p:attrNameLst>
+                                          <p:attrName>style.visibility</p:attrName>
+                                        </p:attrNameLst>
+                                      </p:cBhvr>
+                                      <p:to>
+                                        <p:strVal val="visible"/>
+                                      </p:to>
+                                    </p:set>
+                                  </p:childTnLst>
+                                </p:cTn>
+                              </p:par>
+                            </p:childTnLst>
+                          </p:cTn>
+                        </p:par>
+                      </p:childTnLst>
+                    </p:cTn>
+                  </p:par>
                 </p:childTnLst>
               </p:cTn>
               <p:prevCondLst>
@@ -9070,6 +9651,8 @@
       <p:bldP spid="4" grpId="0" animBg="1"/>
       <p:bldP spid="6" grpId="0"/>
       <p:bldP spid="3" grpId="0" build="p"/>
+      <p:bldP spid="8" grpId="0" animBg="1"/>
+      <p:bldP spid="11" grpId="0" animBg="1"/>
     </p:bldLst>
   </p:timing>
 </p:sld>
@@ -9094,6 +9677,232 @@
       </p:grpSpPr>
       <p:sp>
         <p:nvSpPr>
+          <p:cNvPr id="6" name="Объект 2"/>
+          <p:cNvSpPr txBox="1">
+            <a:spLocks/>
+          </p:cNvSpPr>
+          <p:nvPr/>
+        </p:nvSpPr>
+        <p:spPr>
+          <a:xfrm>
+            <a:off x="323528" y="2454214"/>
+            <a:ext cx="8553636" cy="1800200"/>
+          </a:xfrm>
+          <a:prstGeom prst="rect">
+            <a:avLst/>
+          </a:prstGeom>
+        </p:spPr>
+        <p:txBody>
+          <a:bodyPr vert="horz" lIns="91440" tIns="45720" rIns="91440" bIns="45720" rtlCol="0">
+            <a:noAutofit/>
+          </a:bodyPr>
+          <a:lstStyle>
+            <a:lvl1pPr marL="342900" indent="-342900" algn="l" defTabSz="914400" rtl="0" eaLnBrk="1" latinLnBrk="0" hangingPunct="1">
+              <a:spcBef>
+                <a:spcPct val="20000"/>
+              </a:spcBef>
+              <a:buFont typeface="Arial" pitchFamily="34" charset="0"/>
+              <a:buChar char="•"/>
+              <a:defRPr sz="3200" kern="1200">
+                <a:solidFill>
+                  <a:schemeClr val="tx1"/>
+                </a:solidFill>
+                <a:latin typeface="+mn-lt"/>
+                <a:ea typeface="+mn-ea"/>
+                <a:cs typeface="+mn-cs"/>
+              </a:defRPr>
+            </a:lvl1pPr>
+            <a:lvl2pPr marL="742950" indent="-285750" algn="l" defTabSz="914400" rtl="0" eaLnBrk="1" latinLnBrk="0" hangingPunct="1">
+              <a:spcBef>
+                <a:spcPct val="20000"/>
+              </a:spcBef>
+              <a:buFont typeface="Arial" pitchFamily="34" charset="0"/>
+              <a:buChar char="–"/>
+              <a:defRPr sz="2800" kern="1200">
+                <a:solidFill>
+                  <a:schemeClr val="tx1"/>
+                </a:solidFill>
+                <a:latin typeface="+mn-lt"/>
+                <a:ea typeface="+mn-ea"/>
+                <a:cs typeface="+mn-cs"/>
+              </a:defRPr>
+            </a:lvl2pPr>
+            <a:lvl3pPr marL="1143000" indent="-228600" algn="l" defTabSz="914400" rtl="0" eaLnBrk="1" latinLnBrk="0" hangingPunct="1">
+              <a:spcBef>
+                <a:spcPct val="20000"/>
+              </a:spcBef>
+              <a:buFont typeface="Arial" pitchFamily="34" charset="0"/>
+              <a:buChar char="•"/>
+              <a:defRPr sz="2400" kern="1200">
+                <a:solidFill>
+                  <a:schemeClr val="tx1"/>
+                </a:solidFill>
+                <a:latin typeface="+mn-lt"/>
+                <a:ea typeface="+mn-ea"/>
+                <a:cs typeface="+mn-cs"/>
+              </a:defRPr>
+            </a:lvl3pPr>
+            <a:lvl4pPr marL="1600200" indent="-228600" algn="l" defTabSz="914400" rtl="0" eaLnBrk="1" latinLnBrk="0" hangingPunct="1">
+              <a:spcBef>
+                <a:spcPct val="20000"/>
+              </a:spcBef>
+              <a:buFont typeface="Arial" pitchFamily="34" charset="0"/>
+              <a:buChar char="–"/>
+              <a:defRPr sz="2000" kern="1200">
+                <a:solidFill>
+                  <a:schemeClr val="tx1"/>
+                </a:solidFill>
+                <a:latin typeface="+mn-lt"/>
+                <a:ea typeface="+mn-ea"/>
+                <a:cs typeface="+mn-cs"/>
+              </a:defRPr>
+            </a:lvl4pPr>
+            <a:lvl5pPr marL="2057400" indent="-228600" algn="l" defTabSz="914400" rtl="0" eaLnBrk="1" latinLnBrk="0" hangingPunct="1">
+              <a:spcBef>
+                <a:spcPct val="20000"/>
+              </a:spcBef>
+              <a:buFont typeface="Arial" pitchFamily="34" charset="0"/>
+              <a:buChar char="»"/>
+              <a:defRPr sz="2000" kern="1200">
+                <a:solidFill>
+                  <a:schemeClr val="tx1"/>
+                </a:solidFill>
+                <a:latin typeface="+mn-lt"/>
+                <a:ea typeface="+mn-ea"/>
+                <a:cs typeface="+mn-cs"/>
+              </a:defRPr>
+            </a:lvl5pPr>
+            <a:lvl6pPr marL="2514600" indent="-228600" algn="l" defTabSz="914400" rtl="0" eaLnBrk="1" latinLnBrk="0" hangingPunct="1">
+              <a:spcBef>
+                <a:spcPct val="20000"/>
+              </a:spcBef>
+              <a:buFont typeface="Arial" pitchFamily="34" charset="0"/>
+              <a:buChar char="•"/>
+              <a:defRPr sz="2000" kern="1200">
+                <a:solidFill>
+                  <a:schemeClr val="tx1"/>
+                </a:solidFill>
+                <a:latin typeface="+mn-lt"/>
+                <a:ea typeface="+mn-ea"/>
+                <a:cs typeface="+mn-cs"/>
+              </a:defRPr>
+            </a:lvl6pPr>
+            <a:lvl7pPr marL="2971800" indent="-228600" algn="l" defTabSz="914400" rtl="0" eaLnBrk="1" latinLnBrk="0" hangingPunct="1">
+              <a:spcBef>
+                <a:spcPct val="20000"/>
+              </a:spcBef>
+              <a:buFont typeface="Arial" pitchFamily="34" charset="0"/>
+              <a:buChar char="•"/>
+              <a:defRPr sz="2000" kern="1200">
+                <a:solidFill>
+                  <a:schemeClr val="tx1"/>
+                </a:solidFill>
+                <a:latin typeface="+mn-lt"/>
+                <a:ea typeface="+mn-ea"/>
+                <a:cs typeface="+mn-cs"/>
+              </a:defRPr>
+            </a:lvl7pPr>
+            <a:lvl8pPr marL="3429000" indent="-228600" algn="l" defTabSz="914400" rtl="0" eaLnBrk="1" latinLnBrk="0" hangingPunct="1">
+              <a:spcBef>
+                <a:spcPct val="20000"/>
+              </a:spcBef>
+              <a:buFont typeface="Arial" pitchFamily="34" charset="0"/>
+              <a:buChar char="•"/>
+              <a:defRPr sz="2000" kern="1200">
+                <a:solidFill>
+                  <a:schemeClr val="tx1"/>
+                </a:solidFill>
+                <a:latin typeface="+mn-lt"/>
+                <a:ea typeface="+mn-ea"/>
+                <a:cs typeface="+mn-cs"/>
+              </a:defRPr>
+            </a:lvl8pPr>
+            <a:lvl9pPr marL="3886200" indent="-228600" algn="l" defTabSz="914400" rtl="0" eaLnBrk="1" latinLnBrk="0" hangingPunct="1">
+              <a:spcBef>
+                <a:spcPct val="20000"/>
+              </a:spcBef>
+              <a:buFont typeface="Arial" pitchFamily="34" charset="0"/>
+              <a:buChar char="•"/>
+              <a:defRPr sz="2000" kern="1200">
+                <a:solidFill>
+                  <a:schemeClr val="tx1"/>
+                </a:solidFill>
+                <a:latin typeface="+mn-lt"/>
+                <a:ea typeface="+mn-ea"/>
+                <a:cs typeface="+mn-cs"/>
+              </a:defRPr>
+            </a:lvl9pPr>
+          </a:lstStyle>
+          <a:p>
+            <a:pPr marL="0" indent="0">
+              <a:buNone/>
+            </a:pPr>
+            <a:endParaRPr lang="en-US" sz="2000" dirty="0" smtClean="0"/>
+          </a:p>
+          <a:p>
+            <a:pPr marL="0" indent="0">
+              <a:buNone/>
+            </a:pPr>
+            <a:endParaRPr lang="en-US" sz="2000" dirty="0" smtClean="0"/>
+          </a:p>
+          <a:p>
+            <a:pPr marL="0" indent="0">
+              <a:buNone/>
+            </a:pPr>
+            <a:r>
+              <a:rPr lang="en-US" sz="2400" dirty="0" smtClean="0"/>
+              <a:t>$ </a:t>
+            </a:r>
+            <a:r>
+              <a:rPr lang="en-US" sz="2400" dirty="0" err="1" smtClean="0"/>
+              <a:t>git</a:t>
+            </a:r>
+            <a:r>
+              <a:rPr lang="en-US" sz="2400" dirty="0" smtClean="0"/>
+              <a:t> </a:t>
+            </a:r>
+            <a:r>
+              <a:rPr lang="en-US" sz="2400" dirty="0"/>
+              <a:t>clone </a:t>
+            </a:r>
+            <a:r>
+              <a:rPr lang="en-US" sz="2400" dirty="0">
+                <a:hlinkClick r:id="rId2"/>
+              </a:rPr>
+              <a:t>https://</a:t>
+            </a:r>
+            <a:r>
+              <a:rPr lang="en-US" sz="2400" dirty="0" smtClean="0">
+                <a:hlinkClick r:id="rId2"/>
+              </a:rPr>
+              <a:t>github.com/kontur-edu/kampus-ekb-2014-03.git</a:t>
+            </a:r>
+            <a:r>
+              <a:rPr lang="en-US" sz="2400" dirty="0" smtClean="0"/>
+              <a:t> </a:t>
+            </a:r>
+            <a:endParaRPr lang="ru-RU" sz="2400" dirty="0"/>
+          </a:p>
+          <a:p>
+            <a:pPr marL="0" indent="0">
+              <a:buNone/>
+            </a:pPr>
+            <a:r>
+              <a:rPr lang="en-US" sz="2400" dirty="0" smtClean="0"/>
+              <a:t> </a:t>
+            </a:r>
+            <a:endParaRPr lang="en-US" sz="2400" dirty="0" smtClean="0"/>
+          </a:p>
+          <a:p>
+            <a:pPr marL="0" indent="0">
+              <a:buNone/>
+            </a:pPr>
+            <a:endParaRPr lang="en-US" sz="2000" dirty="0"/>
+          </a:p>
+        </p:txBody>
+      </p:sp>
+      <p:sp>
+        <p:nvSpPr>
           <p:cNvPr id="2" name="Заголовок 1"/>
           <p:cNvSpPr>
             <a:spLocks noGrp="1"/>
@@ -9108,6 +9917,261 @@
           <a:lstStyle/>
           <a:p>
             <a:r>
+              <a:rPr lang="en-US" dirty="0" smtClean="0"/>
+              <a:t>Clone</a:t>
+            </a:r>
+            <a:endParaRPr lang="ru-RU" dirty="0"/>
+          </a:p>
+        </p:txBody>
+      </p:sp>
+      <p:pic>
+        <p:nvPicPr>
+          <p:cNvPr id="5" name="Picture 2"/>
+          <p:cNvPicPr>
+            <a:picLocks noChangeAspect="1" noChangeArrowheads="1"/>
+          </p:cNvPicPr>
+          <p:nvPr/>
+        </p:nvPicPr>
+        <p:blipFill>
+          <a:blip r:embed="rId3">
+            <a:extLst>
+              <a:ext uri="{28A0092B-C50C-407E-A947-70E740481C1C}">
+                <a14:useLocalDpi xmlns:a14="http://schemas.microsoft.com/office/drawing/2010/main" val="0"/>
+              </a:ext>
+            </a:extLst>
+          </a:blip>
+          <a:srcRect/>
+          <a:stretch>
+            <a:fillRect/>
+          </a:stretch>
+        </p:blipFill>
+        <p:spPr bwMode="auto">
+          <a:xfrm>
+            <a:off x="6679871" y="726022"/>
+            <a:ext cx="2414479" cy="2231564"/>
+          </a:xfrm>
+          <a:prstGeom prst="rect">
+            <a:avLst/>
+          </a:prstGeom>
+          <a:noFill/>
+          <a:ln>
+            <a:noFill/>
+          </a:ln>
+          <a:extLst>
+            <a:ext uri="{909E8E84-426E-40DD-AFC4-6F175D3DCCD1}">
+              <a14:hiddenFill xmlns:a14="http://schemas.microsoft.com/office/drawing/2010/main">
+                <a:solidFill>
+                  <a:schemeClr val="accent1"/>
+                </a:solidFill>
+              </a14:hiddenFill>
+            </a:ext>
+            <a:ext uri="{91240B29-F687-4F45-9708-019B960494DF}">
+              <a14:hiddenLine xmlns:a14="http://schemas.microsoft.com/office/drawing/2010/main" w="9525">
+                <a:solidFill>
+                  <a:schemeClr val="tx1"/>
+                </a:solidFill>
+                <a:miter lim="800000"/>
+                <a:headEnd/>
+                <a:tailEnd/>
+              </a14:hiddenLine>
+            </a:ext>
+          </a:extLst>
+        </p:spPr>
+      </p:pic>
+      <p:cxnSp>
+        <p:nvCxnSpPr>
+          <p:cNvPr id="10" name="Прямая со стрелкой 9"/>
+          <p:cNvCxnSpPr/>
+          <p:nvPr/>
+        </p:nvCxnSpPr>
+        <p:spPr>
+          <a:xfrm flipH="1">
+            <a:off x="6679871" y="1306580"/>
+            <a:ext cx="625518" cy="2047734"/>
+          </a:xfrm>
+          <a:prstGeom prst="straightConnector1">
+            <a:avLst/>
+          </a:prstGeom>
+          <a:ln w="76200">
+            <a:tailEnd type="arrow"/>
+          </a:ln>
+        </p:spPr>
+        <p:style>
+          <a:lnRef idx="2">
+            <a:schemeClr val="accent2"/>
+          </a:lnRef>
+          <a:fillRef idx="0">
+            <a:schemeClr val="accent2"/>
+          </a:fillRef>
+          <a:effectRef idx="1">
+            <a:schemeClr val="accent2"/>
+          </a:effectRef>
+          <a:fontRef idx="minor">
+            <a:schemeClr val="tx1"/>
+          </a:fontRef>
+        </p:style>
+      </p:cxnSp>
+      <p:sp>
+        <p:nvSpPr>
+          <p:cNvPr id="12" name="Прямоугольник 11"/>
+          <p:cNvSpPr/>
+          <p:nvPr/>
+        </p:nvSpPr>
+        <p:spPr>
+          <a:xfrm>
+            <a:off x="1115616" y="4365104"/>
+            <a:ext cx="6721392" cy="769441"/>
+          </a:xfrm>
+          <a:prstGeom prst="rect">
+            <a:avLst/>
+          </a:prstGeom>
+        </p:spPr>
+        <p:txBody>
+          <a:bodyPr wrap="none">
+            <a:spAutoFit/>
+          </a:bodyPr>
+          <a:lstStyle/>
+          <a:p>
+            <a:r>
+              <a:rPr lang="en-US" sz="4400" dirty="0">
+                <a:hlinkClick r:id="rId4"/>
+              </a:rPr>
+              <a:t>http://</a:t>
+            </a:r>
+            <a:r>
+              <a:rPr lang="en-US" sz="4400" dirty="0" smtClean="0">
+                <a:hlinkClick r:id="rId4"/>
+              </a:rPr>
+              <a:t>git-scm.com/book/ru</a:t>
+            </a:r>
+            <a:endParaRPr lang="ru-RU" sz="4400" dirty="0"/>
+          </a:p>
+        </p:txBody>
+      </p:sp>
+    </p:spTree>
+    <p:extLst>
+      <p:ext uri="{BB962C8B-B14F-4D97-AF65-F5344CB8AC3E}">
+        <p14:creationId xmlns:p14="http://schemas.microsoft.com/office/powerpoint/2010/main" val="157956305"/>
+      </p:ext>
+    </p:extLst>
+  </p:cSld>
+  <p:clrMapOvr>
+    <a:masterClrMapping/>
+  </p:clrMapOvr>
+  <p:timing>
+    <p:tnLst>
+      <p:par>
+        <p:cTn id="1" dur="indefinite" restart="never" nodeType="tmRoot">
+          <p:childTnLst>
+            <p:seq concurrent="1" nextAc="seek">
+              <p:cTn id="2" dur="indefinite" nodeType="mainSeq">
+                <p:childTnLst>
+                  <p:par>
+                    <p:cTn id="3" fill="hold">
+                      <p:stCondLst>
+                        <p:cond delay="indefinite"/>
+                      </p:stCondLst>
+                      <p:childTnLst>
+                        <p:par>
+                          <p:cTn id="4" fill="hold">
+                            <p:stCondLst>
+                              <p:cond delay="0"/>
+                            </p:stCondLst>
+                            <p:childTnLst>
+                              <p:par>
+                                <p:cTn id="5" presetID="1" presetClass="entr" presetSubtype="0" fill="hold" grpId="0" nodeType="clickEffect">
+                                  <p:stCondLst>
+                                    <p:cond delay="0"/>
+                                  </p:stCondLst>
+                                  <p:childTnLst>
+                                    <p:set>
+                                      <p:cBhvr>
+                                        <p:cTn id="6" dur="1" fill="hold">
+                                          <p:stCondLst>
+                                            <p:cond delay="0"/>
+                                          </p:stCondLst>
+                                        </p:cTn>
+                                        <p:tgtEl>
+                                          <p:spTgt spid="12"/>
+                                        </p:tgtEl>
+                                        <p:attrNameLst>
+                                          <p:attrName>style.visibility</p:attrName>
+                                        </p:attrNameLst>
+                                      </p:cBhvr>
+                                      <p:to>
+                                        <p:strVal val="visible"/>
+                                      </p:to>
+                                    </p:set>
+                                  </p:childTnLst>
+                                </p:cTn>
+                              </p:par>
+                            </p:childTnLst>
+                          </p:cTn>
+                        </p:par>
+                      </p:childTnLst>
+                    </p:cTn>
+                  </p:par>
+                </p:childTnLst>
+              </p:cTn>
+              <p:prevCondLst>
+                <p:cond evt="onPrev" delay="0">
+                  <p:tgtEl>
+                    <p:sldTgt/>
+                  </p:tgtEl>
+                </p:cond>
+              </p:prevCondLst>
+              <p:nextCondLst>
+                <p:cond evt="onNext" delay="0">
+                  <p:tgtEl>
+                    <p:sldTgt/>
+                  </p:tgtEl>
+                </p:cond>
+              </p:nextCondLst>
+            </p:seq>
+          </p:childTnLst>
+        </p:cTn>
+      </p:par>
+    </p:tnLst>
+    <p:bldLst>
+      <p:bldP spid="12" grpId="0"/>
+    </p:bldLst>
+  </p:timing>
+</p:sld>
+</file>
+
+<file path=ppt/slides/slide9.xml><?xml version="1.0" encoding="utf-8"?>
+<p:sld xmlns:a="http://schemas.openxmlformats.org/drawingml/2006/main" xmlns:r="http://schemas.openxmlformats.org/officeDocument/2006/relationships" xmlns:p="http://schemas.openxmlformats.org/presentationml/2006/main">
+  <p:cSld>
+    <p:spTree>
+      <p:nvGrpSpPr>
+        <p:cNvPr id="1" name=""/>
+        <p:cNvGrpSpPr/>
+        <p:nvPr/>
+      </p:nvGrpSpPr>
+      <p:grpSpPr>
+        <a:xfrm>
+          <a:off x="0" y="0"/>
+          <a:ext cx="0" cy="0"/>
+          <a:chOff x="0" y="0"/>
+          <a:chExt cx="0" cy="0"/>
+        </a:xfrm>
+      </p:grpSpPr>
+      <p:sp>
+        <p:nvSpPr>
+          <p:cNvPr id="2" name="Заголовок 1"/>
+          <p:cNvSpPr>
+            <a:spLocks noGrp="1"/>
+          </p:cNvSpPr>
+          <p:nvPr>
+            <p:ph type="title"/>
+          </p:nvPr>
+        </p:nvSpPr>
+        <p:spPr/>
+        <p:txBody>
+          <a:bodyPr/>
+          <a:lstStyle/>
+          <a:p>
+            <a:r>
               <a:rPr lang="ru-RU" dirty="0" smtClean="0"/>
               <a:t>Основы</a:t>
             </a:r>
@@ -9125,9 +10189,16 @@
             <p:ph idx="1"/>
           </p:nvPr>
         </p:nvSpPr>
-        <p:spPr/>
-        <p:txBody>
-          <a:bodyPr/>
+        <p:spPr>
+          <a:xfrm>
+            <a:off x="457200" y="1567333"/>
+            <a:ext cx="8229600" cy="4525963"/>
+          </a:xfrm>
+        </p:spPr>
+        <p:txBody>
+          <a:bodyPr>
+            <a:normAutofit/>
+          </a:bodyPr>
           <a:lstStyle/>
           <a:p>
             <a:pPr marL="0" indent="0">
@@ -9255,6 +10326,51 @@
             <a:pPr marL="0" indent="0">
               <a:buNone/>
             </a:pPr>
+            <a:r>
+              <a:rPr lang="en-US" b="1" dirty="0" smtClean="0">
+                <a:solidFill>
+                  <a:schemeClr val="accent2">
+                    <a:lumMod val="50000"/>
+                  </a:schemeClr>
+                </a:solidFill>
+              </a:rPr>
+              <a:t>$ </a:t>
+            </a:r>
+            <a:r>
+              <a:rPr lang="en-US" b="1" dirty="0" err="1" smtClean="0">
+                <a:solidFill>
+                  <a:schemeClr val="accent2">
+                    <a:lumMod val="50000"/>
+                  </a:schemeClr>
+                </a:solidFill>
+              </a:rPr>
+              <a:t>mkdir</a:t>
+            </a:r>
+            <a:r>
+              <a:rPr lang="en-US" b="1" dirty="0" smtClean="0">
+                <a:solidFill>
+                  <a:schemeClr val="accent2">
+                    <a:lumMod val="50000"/>
+                  </a:schemeClr>
+                </a:solidFill>
+              </a:rPr>
+              <a:t> repo</a:t>
+            </a:r>
+          </a:p>
+          <a:p>
+            <a:pPr marL="0" indent="0">
+              <a:buNone/>
+            </a:pPr>
+            <a:r>
+              <a:rPr lang="en-US" b="1" dirty="0" smtClean="0">
+                <a:solidFill>
+                  <a:schemeClr val="accent2">
+                    <a:lumMod val="50000"/>
+                  </a:schemeClr>
+                </a:solidFill>
+              </a:rPr>
+              <a:t>$ cd repo</a:t>
+            </a:r>
             <a:endParaRPr lang="en-US" b="1" dirty="0">
               <a:solidFill>
                 <a:schemeClr val="accent2">
@@ -9268,7 +10384,7 @@
               <a:buNone/>
             </a:pPr>
             <a:r>
-              <a:rPr lang="en-US" b="1" dirty="0" smtClean="0">
+              <a:rPr lang="en-US" sz="4400" b="1" dirty="0" smtClean="0">
                 <a:solidFill>
                   <a:schemeClr val="accent2">
                     <a:lumMod val="50000"/>
@@ -9278,7 +10394,7 @@
               <a:t>$ </a:t>
             </a:r>
             <a:r>
-              <a:rPr lang="en-US" b="1" dirty="0" err="1" smtClean="0">
+              <a:rPr lang="en-US" sz="4400" b="1" dirty="0" err="1" smtClean="0">
                 <a:solidFill>
                   <a:schemeClr val="accent2">
                     <a:lumMod val="50000"/>
@@ -9288,7 +10404,7 @@
               <a:t>git</a:t>
             </a:r>
             <a:r>
-              <a:rPr lang="en-US" b="1" dirty="0" smtClean="0">
+              <a:rPr lang="en-US" sz="4400" b="1" dirty="0" smtClean="0">
                 <a:solidFill>
                   <a:schemeClr val="accent2">
                     <a:lumMod val="50000"/>
@@ -9298,7 +10414,7 @@
               <a:t> </a:t>
             </a:r>
             <a:r>
-              <a:rPr lang="en-US" b="1" dirty="0" err="1" smtClean="0">
+              <a:rPr lang="en-US" sz="4400" b="1" dirty="0" err="1" smtClean="0">
                 <a:solidFill>
                   <a:schemeClr val="accent2">
                     <a:lumMod val="50000"/>
@@ -9307,7 +10423,7 @@
               </a:rPr>
               <a:t>init</a:t>
             </a:r>
-            <a:endParaRPr lang="en-US" b="1" dirty="0" smtClean="0">
+            <a:endParaRPr lang="en-US" sz="4400" b="1" dirty="0" smtClean="0">
               <a:solidFill>
                 <a:schemeClr val="accent2">
                   <a:lumMod val="50000"/>
@@ -9358,6 +10474,43 @@
           </a:extLst>
         </p:spPr>
       </p:pic>
+      <p:sp>
+        <p:nvSpPr>
+          <p:cNvPr id="5" name="Прямоугольник 4"/>
+          <p:cNvSpPr/>
+          <p:nvPr/>
+        </p:nvSpPr>
+        <p:spPr>
+          <a:xfrm>
+            <a:off x="467544" y="6074132"/>
+            <a:ext cx="4266040" cy="523220"/>
+          </a:xfrm>
+          <a:prstGeom prst="rect">
+            <a:avLst/>
+          </a:prstGeom>
+        </p:spPr>
+        <p:txBody>
+          <a:bodyPr wrap="none">
+            <a:spAutoFit/>
+          </a:bodyPr>
+          <a:lstStyle/>
+          <a:p>
+            <a:r>
+              <a:rPr lang="en-US" sz="2800" dirty="0">
+                <a:hlinkClick r:id="rId3"/>
+              </a:rPr>
+              <a:t>http://</a:t>
+            </a:r>
+            <a:r>
+              <a:rPr lang="en-US" sz="2800" dirty="0" smtClean="0">
+                <a:hlinkClick r:id="rId3"/>
+              </a:rPr>
+              <a:t>git-scm.com/book/ru</a:t>
+            </a:r>
+            <a:endParaRPr lang="ru-RU" sz="2800" dirty="0"/>
+          </a:p>
+        </p:txBody>
+      </p:sp>
     </p:spTree>
     <p:extLst>
       <p:ext uri="{BB962C8B-B14F-4D97-AF65-F5344CB8AC3E}">
@@ -9371,321 +10524,141 @@
   <p:timing>
     <p:tnLst>
       <p:par>
-        <p:cTn id="1" dur="indefinite" restart="never" nodeType="tmRoot"/>
-      </p:par>
-    </p:tnLst>
-  </p:timing>
-</p:sld>
-</file>
-
-<file path=ppt/slides/slide9.xml><?xml version="1.0" encoding="utf-8"?>
-<p:sld xmlns:a="http://schemas.openxmlformats.org/drawingml/2006/main" xmlns:r="http://schemas.openxmlformats.org/officeDocument/2006/relationships" xmlns:p="http://schemas.openxmlformats.org/presentationml/2006/main">
-  <p:cSld>
-    <p:spTree>
-      <p:nvGrpSpPr>
-        <p:cNvPr id="1" name=""/>
-        <p:cNvGrpSpPr/>
-        <p:nvPr/>
-      </p:nvGrpSpPr>
-      <p:grpSpPr>
-        <a:xfrm>
-          <a:off x="0" y="0"/>
-          <a:ext cx="0" cy="0"/>
-          <a:chOff x="0" y="0"/>
-          <a:chExt cx="0" cy="0"/>
-        </a:xfrm>
-      </p:grpSpPr>
-      <p:sp>
-        <p:nvSpPr>
-          <p:cNvPr id="2" name="Заголовок 1"/>
-          <p:cNvSpPr>
-            <a:spLocks noGrp="1"/>
-          </p:cNvSpPr>
-          <p:nvPr>
-            <p:ph type="title"/>
-          </p:nvPr>
-        </p:nvSpPr>
-        <p:spPr/>
-        <p:txBody>
-          <a:bodyPr/>
-          <a:lstStyle/>
-          <a:p>
-            <a:r>
-              <a:rPr lang="ru-RU" dirty="0" smtClean="0"/>
-              <a:t>Настройка</a:t>
-            </a:r>
-            <a:endParaRPr lang="ru-RU" dirty="0"/>
-          </a:p>
-        </p:txBody>
-      </p:sp>
-      <p:sp>
-        <p:nvSpPr>
-          <p:cNvPr id="3" name="Объект 2"/>
-          <p:cNvSpPr>
-            <a:spLocks noGrp="1"/>
-          </p:cNvSpPr>
-          <p:nvPr>
-            <p:ph idx="1"/>
-          </p:nvPr>
-        </p:nvSpPr>
-        <p:spPr/>
-        <p:txBody>
-          <a:bodyPr/>
-          <a:lstStyle/>
-          <a:p>
-            <a:pPr marL="0" indent="0">
-              <a:buNone/>
-            </a:pPr>
-            <a:r>
-              <a:rPr lang="ru-RU" b="1" dirty="0" smtClean="0">
-                <a:solidFill>
-                  <a:schemeClr val="accent2">
-                    <a:lumMod val="50000"/>
-                  </a:schemeClr>
-                </a:solidFill>
-              </a:rPr>
-              <a:t>$ </a:t>
-            </a:r>
-            <a:r>
-              <a:rPr lang="en-US" b="1" dirty="0" err="1">
-                <a:solidFill>
-                  <a:schemeClr val="accent2">
-                    <a:lumMod val="50000"/>
-                  </a:schemeClr>
-                </a:solidFill>
-              </a:rPr>
-              <a:t>git</a:t>
-            </a:r>
-            <a:r>
-              <a:rPr lang="en-US" b="1" dirty="0">
-                <a:solidFill>
-                  <a:schemeClr val="accent2">
-                    <a:lumMod val="50000"/>
-                  </a:schemeClr>
-                </a:solidFill>
-              </a:rPr>
-              <a:t> </a:t>
-            </a:r>
-            <a:r>
-              <a:rPr lang="en-US" b="1" dirty="0" err="1">
-                <a:solidFill>
-                  <a:schemeClr val="accent2">
-                    <a:lumMod val="50000"/>
-                  </a:schemeClr>
-                </a:solidFill>
-              </a:rPr>
-              <a:t>config</a:t>
-            </a:r>
-            <a:r>
-              <a:rPr lang="en-US" b="1" dirty="0">
-                <a:solidFill>
-                  <a:schemeClr val="accent2">
-                    <a:lumMod val="50000"/>
-                  </a:schemeClr>
-                </a:solidFill>
-              </a:rPr>
-              <a:t> --global user.name </a:t>
-            </a:r>
-            <a:r>
-              <a:rPr lang="en-US" b="1" dirty="0" smtClean="0">
-                <a:solidFill>
-                  <a:schemeClr val="accent2">
-                    <a:lumMod val="50000"/>
-                  </a:schemeClr>
-                </a:solidFill>
-              </a:rPr>
-              <a:t>"Pavel </a:t>
-            </a:r>
-            <a:r>
-              <a:rPr lang="en-US" b="1" dirty="0" err="1" smtClean="0">
-                <a:solidFill>
-                  <a:schemeClr val="accent2">
-                    <a:lumMod val="50000"/>
-                  </a:schemeClr>
-                </a:solidFill>
-              </a:rPr>
-              <a:t>Egorov</a:t>
-            </a:r>
-            <a:r>
-              <a:rPr lang="en-US" b="1" dirty="0" smtClean="0">
-                <a:solidFill>
-                  <a:schemeClr val="accent2">
-                    <a:lumMod val="50000"/>
-                  </a:schemeClr>
-                </a:solidFill>
-              </a:rPr>
-              <a:t>"</a:t>
-            </a:r>
-            <a:endParaRPr lang="en-US" b="1" dirty="0">
-              <a:solidFill>
-                <a:schemeClr val="accent2">
-                  <a:lumMod val="50000"/>
-                </a:schemeClr>
-              </a:solidFill>
-            </a:endParaRPr>
-          </a:p>
-          <a:p>
-            <a:pPr marL="0" indent="0">
-              <a:buNone/>
-            </a:pPr>
-            <a:r>
-              <a:rPr lang="ru-RU" b="1" dirty="0" smtClean="0">
-                <a:solidFill>
-                  <a:schemeClr val="accent2">
-                    <a:lumMod val="50000"/>
-                  </a:schemeClr>
-                </a:solidFill>
-              </a:rPr>
-              <a:t>$ </a:t>
-            </a:r>
-            <a:r>
-              <a:rPr lang="en-US" b="1" dirty="0" err="1">
-                <a:solidFill>
-                  <a:schemeClr val="accent2">
-                    <a:lumMod val="50000"/>
-                  </a:schemeClr>
-                </a:solidFill>
-              </a:rPr>
-              <a:t>git</a:t>
-            </a:r>
-            <a:r>
-              <a:rPr lang="en-US" b="1" dirty="0">
-                <a:solidFill>
-                  <a:schemeClr val="accent2">
-                    <a:lumMod val="50000"/>
-                  </a:schemeClr>
-                </a:solidFill>
-              </a:rPr>
-              <a:t> </a:t>
-            </a:r>
-            <a:r>
-              <a:rPr lang="en-US" b="1" dirty="0" err="1">
-                <a:solidFill>
-                  <a:schemeClr val="accent2">
-                    <a:lumMod val="50000"/>
-                  </a:schemeClr>
-                </a:solidFill>
-              </a:rPr>
-              <a:t>config</a:t>
-            </a:r>
-            <a:r>
-              <a:rPr lang="en-US" b="1" dirty="0">
-                <a:solidFill>
-                  <a:schemeClr val="accent2">
-                    <a:lumMod val="50000"/>
-                  </a:schemeClr>
-                </a:solidFill>
-              </a:rPr>
-              <a:t> --global </a:t>
-            </a:r>
-            <a:r>
-              <a:rPr lang="en-US" b="1" dirty="0" err="1">
-                <a:solidFill>
-                  <a:schemeClr val="accent2">
-                    <a:lumMod val="50000"/>
-                  </a:schemeClr>
-                </a:solidFill>
-              </a:rPr>
-              <a:t>user.email</a:t>
-            </a:r>
-            <a:r>
-              <a:rPr lang="en-US" b="1" dirty="0">
-                <a:solidFill>
-                  <a:schemeClr val="accent2">
-                    <a:lumMod val="50000"/>
-                  </a:schemeClr>
-                </a:solidFill>
-              </a:rPr>
-              <a:t> </a:t>
-            </a:r>
-            <a:r>
-              <a:rPr lang="en-US" b="1" dirty="0" smtClean="0">
-                <a:solidFill>
-                  <a:schemeClr val="accent2">
-                    <a:lumMod val="50000"/>
-                  </a:schemeClr>
-                </a:solidFill>
-              </a:rPr>
-              <a:t>"pe@kontur.ru"</a:t>
-            </a:r>
-            <a:endParaRPr lang="en-US" b="1" dirty="0">
-              <a:solidFill>
-                <a:schemeClr val="accent2">
-                  <a:lumMod val="50000"/>
-                </a:schemeClr>
-              </a:solidFill>
-            </a:endParaRPr>
-          </a:p>
-          <a:p>
-            <a:pPr marL="0" indent="0">
-              <a:buNone/>
-            </a:pPr>
-            <a:r>
-              <a:rPr lang="en-US" dirty="0"/>
-              <a:t/>
-            </a:r>
-            <a:br>
-              <a:rPr lang="en-US" dirty="0"/>
-            </a:br>
-            <a:endParaRPr lang="ru-RU" dirty="0"/>
-          </a:p>
-        </p:txBody>
-      </p:sp>
-      <p:pic>
-        <p:nvPicPr>
-          <p:cNvPr id="4" name="Picture 2" descr="http://imagineannie.files.wordpress.com/2010/02/monkey_typing_jonk1.jpg?w=367&amp;h=244"/>
-          <p:cNvPicPr>
-            <a:picLocks noChangeAspect="1" noChangeArrowheads="1"/>
-          </p:cNvPicPr>
-          <p:nvPr/>
-        </p:nvPicPr>
-        <p:blipFill>
-          <a:blip r:embed="rId2">
-            <a:extLst>
-              <a:ext uri="{28A0092B-C50C-407E-A947-70E740481C1C}">
-                <a14:useLocalDpi xmlns:a14="http://schemas.microsoft.com/office/drawing/2010/main" val="0"/>
-              </a:ext>
-            </a:extLst>
-          </a:blip>
-          <a:srcRect/>
-          <a:stretch>
-            <a:fillRect/>
-          </a:stretch>
-        </p:blipFill>
-        <p:spPr bwMode="auto">
-          <a:xfrm>
-            <a:off x="5633717" y="4524374"/>
-            <a:ext cx="3495675" cy="2333626"/>
-          </a:xfrm>
-          <a:prstGeom prst="rect">
-            <a:avLst/>
-          </a:prstGeom>
-          <a:noFill/>
-          <a:extLst>
-            <a:ext uri="{909E8E84-426E-40DD-AFC4-6F175D3DCCD1}">
-              <a14:hiddenFill xmlns:a14="http://schemas.microsoft.com/office/drawing/2010/main">
-                <a:solidFill>
-                  <a:srgbClr val="FFFFFF"/>
-                </a:solidFill>
-              </a14:hiddenFill>
-            </a:ext>
-          </a:extLst>
-        </p:spPr>
-      </p:pic>
-    </p:spTree>
-    <p:extLst>
-      <p:ext uri="{BB962C8B-B14F-4D97-AF65-F5344CB8AC3E}">
-        <p14:creationId xmlns:p14="http://schemas.microsoft.com/office/powerpoint/2010/main" val="3047851420"/>
-      </p:ext>
-    </p:extLst>
-  </p:cSld>
-  <p:clrMapOvr>
-    <a:masterClrMapping/>
-  </p:clrMapOvr>
-  <p:timing>
-    <p:tnLst>
-      <p:par>
-        <p:cTn id="1" dur="indefinite" restart="never" nodeType="tmRoot"/>
+        <p:cTn id="1" dur="indefinite" restart="never" nodeType="tmRoot">
+          <p:childTnLst>
+            <p:seq concurrent="1" nextAc="seek">
+              <p:cTn id="2" dur="indefinite" nodeType="mainSeq">
+                <p:childTnLst>
+                  <p:par>
+                    <p:cTn id="3" fill="hold">
+                      <p:stCondLst>
+                        <p:cond delay="indefinite"/>
+                      </p:stCondLst>
+                      <p:childTnLst>
+                        <p:par>
+                          <p:cTn id="4" fill="hold">
+                            <p:stCondLst>
+                              <p:cond delay="0"/>
+                            </p:stCondLst>
+                            <p:childTnLst>
+                              <p:par>
+                                <p:cTn id="5" presetID="1" presetClass="entr" presetSubtype="0" fill="hold" nodeType="clickEffect">
+                                  <p:stCondLst>
+                                    <p:cond delay="0"/>
+                                  </p:stCondLst>
+                                  <p:childTnLst>
+                                    <p:set>
+                                      <p:cBhvr>
+                                        <p:cTn id="6" dur="1" fill="hold">
+                                          <p:stCondLst>
+                                            <p:cond delay="0"/>
+                                          </p:stCondLst>
+                                        </p:cTn>
+                                        <p:tgtEl>
+                                          <p:spTgt spid="3">
+                                            <p:txEl>
+                                              <p:pRg st="4" end="4"/>
+                                            </p:txEl>
+                                          </p:spTgt>
+                                        </p:tgtEl>
+                                        <p:attrNameLst>
+                                          <p:attrName>style.visibility</p:attrName>
+                                        </p:attrNameLst>
+                                      </p:cBhvr>
+                                      <p:to>
+                                        <p:strVal val="visible"/>
+                                      </p:to>
+                                    </p:set>
+                                  </p:childTnLst>
+                                </p:cTn>
+                              </p:par>
+                              <p:par>
+                                <p:cTn id="7" presetID="1" presetClass="entr" presetSubtype="0" fill="hold" nodeType="withEffect">
+                                  <p:stCondLst>
+                                    <p:cond delay="0"/>
+                                  </p:stCondLst>
+                                  <p:childTnLst>
+                                    <p:set>
+                                      <p:cBhvr>
+                                        <p:cTn id="8" dur="1" fill="hold">
+                                          <p:stCondLst>
+                                            <p:cond delay="0"/>
+                                          </p:stCondLst>
+                                        </p:cTn>
+                                        <p:tgtEl>
+                                          <p:spTgt spid="3">
+                                            <p:txEl>
+                                              <p:pRg st="5" end="5"/>
+                                            </p:txEl>
+                                          </p:spTgt>
+                                        </p:tgtEl>
+                                        <p:attrNameLst>
+                                          <p:attrName>style.visibility</p:attrName>
+                                        </p:attrNameLst>
+                                      </p:cBhvr>
+                                      <p:to>
+                                        <p:strVal val="visible"/>
+                                      </p:to>
+                                    </p:set>
+                                  </p:childTnLst>
+                                </p:cTn>
+                              </p:par>
+                              <p:par>
+                                <p:cTn id="9" presetID="1" presetClass="entr" presetSubtype="0" fill="hold" nodeType="withEffect">
+                                  <p:stCondLst>
+                                    <p:cond delay="0"/>
+                                  </p:stCondLst>
+                                  <p:childTnLst>
+                                    <p:set>
+                                      <p:cBhvr>
+                                        <p:cTn id="10" dur="1" fill="hold">
+                                          <p:stCondLst>
+                                            <p:cond delay="0"/>
+                                          </p:stCondLst>
+                                        </p:cTn>
+                                        <p:tgtEl>
+                                          <p:spTgt spid="3">
+                                            <p:txEl>
+                                              <p:pRg st="6" end="6"/>
+                                            </p:txEl>
+                                          </p:spTgt>
+                                        </p:tgtEl>
+                                        <p:attrNameLst>
+                                          <p:attrName>style.visibility</p:attrName>
+                                        </p:attrNameLst>
+                                      </p:cBhvr>
+                                      <p:to>
+                                        <p:strVal val="visible"/>
+                                      </p:to>
+                                    </p:set>
+                                  </p:childTnLst>
+                                </p:cTn>
+                              </p:par>
+                            </p:childTnLst>
+                          </p:cTn>
+                        </p:par>
+                      </p:childTnLst>
+                    </p:cTn>
+                  </p:par>
+                </p:childTnLst>
+              </p:cTn>
+              <p:prevCondLst>
+                <p:cond evt="onPrev" delay="0">
+                  <p:tgtEl>
+                    <p:sldTgt/>
+                  </p:tgtEl>
+                </p:cond>
+              </p:prevCondLst>
+              <p:nextCondLst>
+                <p:cond evt="onNext" delay="0">
+                  <p:tgtEl>
+                    <p:sldTgt/>
+                  </p:tgtEl>
+                </p:cond>
+              </p:nextCondLst>
+            </p:seq>
+          </p:childTnLst>
+        </p:cTn>
       </p:par>
     </p:tnLst>
   </p:timing>

--- a/04-git/Git.pptx
+++ b/04-git/Git.pptx
@@ -211,7 +211,7 @@
           <a:p>
             <a:fld id="{16E5F246-0B7D-44DF-8C1B-EDFCA5DA626A}" type="datetimeFigureOut">
               <a:rPr lang="ru-RU" smtClean="0"/>
-              <a:t>21.03.2014</a:t>
+              <a:t>22.03.2014</a:t>
             </a:fld>
             <a:endParaRPr lang="ru-RU"/>
           </a:p>
@@ -828,7 +828,7 @@
           <a:p>
             <a:fld id="{ED7A5A9E-355E-4F5A-82F5-195339D13266}" type="datetimeFigureOut">
               <a:rPr lang="ru-RU" smtClean="0"/>
-              <a:t>21.03.2014</a:t>
+              <a:t>22.03.2014</a:t>
             </a:fld>
             <a:endParaRPr lang="ru-RU"/>
           </a:p>
@@ -998,7 +998,7 @@
           <a:p>
             <a:fld id="{ED7A5A9E-355E-4F5A-82F5-195339D13266}" type="datetimeFigureOut">
               <a:rPr lang="ru-RU" smtClean="0"/>
-              <a:t>21.03.2014</a:t>
+              <a:t>22.03.2014</a:t>
             </a:fld>
             <a:endParaRPr lang="ru-RU"/>
           </a:p>
@@ -1178,7 +1178,7 @@
           <a:p>
             <a:fld id="{ED7A5A9E-355E-4F5A-82F5-195339D13266}" type="datetimeFigureOut">
               <a:rPr lang="ru-RU" smtClean="0"/>
-              <a:t>21.03.2014</a:t>
+              <a:t>22.03.2014</a:t>
             </a:fld>
             <a:endParaRPr lang="ru-RU"/>
           </a:p>
@@ -1348,7 +1348,7 @@
           <a:p>
             <a:fld id="{ED7A5A9E-355E-4F5A-82F5-195339D13266}" type="datetimeFigureOut">
               <a:rPr lang="ru-RU" smtClean="0"/>
-              <a:t>21.03.2014</a:t>
+              <a:t>22.03.2014</a:t>
             </a:fld>
             <a:endParaRPr lang="ru-RU"/>
           </a:p>
@@ -1594,7 +1594,7 @@
           <a:p>
             <a:fld id="{ED7A5A9E-355E-4F5A-82F5-195339D13266}" type="datetimeFigureOut">
               <a:rPr lang="ru-RU" smtClean="0"/>
-              <a:t>21.03.2014</a:t>
+              <a:t>22.03.2014</a:t>
             </a:fld>
             <a:endParaRPr lang="ru-RU"/>
           </a:p>
@@ -1882,7 +1882,7 @@
           <a:p>
             <a:fld id="{ED7A5A9E-355E-4F5A-82F5-195339D13266}" type="datetimeFigureOut">
               <a:rPr lang="ru-RU" smtClean="0"/>
-              <a:t>21.03.2014</a:t>
+              <a:t>22.03.2014</a:t>
             </a:fld>
             <a:endParaRPr lang="ru-RU"/>
           </a:p>
@@ -2304,7 +2304,7 @@
           <a:p>
             <a:fld id="{ED7A5A9E-355E-4F5A-82F5-195339D13266}" type="datetimeFigureOut">
               <a:rPr lang="ru-RU" smtClean="0"/>
-              <a:t>21.03.2014</a:t>
+              <a:t>22.03.2014</a:t>
             </a:fld>
             <a:endParaRPr lang="ru-RU"/>
           </a:p>
@@ -2422,7 +2422,7 @@
           <a:p>
             <a:fld id="{ED7A5A9E-355E-4F5A-82F5-195339D13266}" type="datetimeFigureOut">
               <a:rPr lang="ru-RU" smtClean="0"/>
-              <a:t>21.03.2014</a:t>
+              <a:t>22.03.2014</a:t>
             </a:fld>
             <a:endParaRPr lang="ru-RU"/>
           </a:p>
@@ -2517,7 +2517,7 @@
           <a:p>
             <a:fld id="{ED7A5A9E-355E-4F5A-82F5-195339D13266}" type="datetimeFigureOut">
               <a:rPr lang="ru-RU" smtClean="0"/>
-              <a:t>21.03.2014</a:t>
+              <a:t>22.03.2014</a:t>
             </a:fld>
             <a:endParaRPr lang="ru-RU"/>
           </a:p>
@@ -2794,7 +2794,7 @@
           <a:p>
             <a:fld id="{ED7A5A9E-355E-4F5A-82F5-195339D13266}" type="datetimeFigureOut">
               <a:rPr lang="ru-RU" smtClean="0"/>
-              <a:t>21.03.2014</a:t>
+              <a:t>22.03.2014</a:t>
             </a:fld>
             <a:endParaRPr lang="ru-RU"/>
           </a:p>
@@ -3047,7 +3047,7 @@
           <a:p>
             <a:fld id="{ED7A5A9E-355E-4F5A-82F5-195339D13266}" type="datetimeFigureOut">
               <a:rPr lang="ru-RU" smtClean="0"/>
-              <a:t>21.03.2014</a:t>
+              <a:t>22.03.2014</a:t>
             </a:fld>
             <a:endParaRPr lang="ru-RU"/>
           </a:p>
@@ -3260,7 +3260,7 @@
           <a:p>
             <a:fld id="{ED7A5A9E-355E-4F5A-82F5-195339D13266}" type="datetimeFigureOut">
               <a:rPr lang="ru-RU" smtClean="0"/>
-              <a:t>21.03.2014</a:t>
+              <a:t>22.03.2014</a:t>
             </a:fld>
             <a:endParaRPr lang="ru-RU"/>
           </a:p>
@@ -9153,11 +9153,11 @@
   <p:clrMapOvr>
     <a:masterClrMapping/>
   </p:clrMapOvr>
-  <mc:AlternateContent xmlns:mc="http://schemas.openxmlformats.org/markup-compatibility/2006">
-    <mc:Choice xmlns:p14="http://schemas.microsoft.com/office/powerpoint/2010/main" Requires="p14">
+  <mc:AlternateContent xmlns:mc="http://schemas.openxmlformats.org/markup-compatibility/2006" xmlns:p14="http://schemas.microsoft.com/office/powerpoint/2010/main">
+    <mc:Choice Requires="p14">
       <p:transition spd="slow" p14:dur="2000"/>
     </mc:Choice>
-    <mc:Fallback>
+    <mc:Fallback xmlns="">
       <p:transition spd="slow"/>
     </mc:Fallback>
   </mc:AlternateContent>
@@ -9675,6 +9675,47 @@
           <a:chExt cx="0" cy="0"/>
         </a:xfrm>
       </p:grpSpPr>
+      <p:pic>
+        <p:nvPicPr>
+          <p:cNvPr id="7" name="Picture 2" descr="http://imagineannie.files.wordpress.com/2010/02/monkey_typing_jonk1.jpg?w=367&amp;h=244"/>
+          <p:cNvPicPr>
+            <a:picLocks noChangeAspect="1" noChangeArrowheads="1"/>
+          </p:cNvPicPr>
+          <p:nvPr/>
+        </p:nvPicPr>
+        <p:blipFill>
+          <a:blip r:embed="rId2">
+            <a:extLst>
+              <a:ext uri="{28A0092B-C50C-407E-A947-70E740481C1C}">
+                <a14:useLocalDpi xmlns:a14="http://schemas.microsoft.com/office/drawing/2010/main" val="0"/>
+              </a:ext>
+            </a:extLst>
+          </a:blip>
+          <a:srcRect/>
+          <a:stretch>
+            <a:fillRect/>
+          </a:stretch>
+        </p:blipFill>
+        <p:spPr bwMode="auto">
+          <a:xfrm>
+            <a:off x="5633717" y="4524374"/>
+            <a:ext cx="3495675" cy="2333626"/>
+          </a:xfrm>
+          <a:prstGeom prst="rect">
+            <a:avLst/>
+          </a:prstGeom>
+          <a:noFill/>
+          <a:extLst>
+            <a:ext uri="{909E8E84-426E-40DD-AFC4-6F175D3DCCD1}">
+              <a14:hiddenFill xmlns:a14="http://schemas.microsoft.com/office/drawing/2010/main">
+                <a:solidFill>
+                  <a:srgbClr val="FFFFFF"/>
+                </a:solidFill>
+              </a14:hiddenFill>
+            </a:ext>
+          </a:extLst>
+        </p:spPr>
+      </p:pic>
       <p:sp>
         <p:nvSpPr>
           <p:cNvPr id="6" name="Объект 2"/>
@@ -9867,13 +9908,13 @@
             </a:r>
             <a:r>
               <a:rPr lang="en-US" sz="2400" dirty="0">
-                <a:hlinkClick r:id="rId2"/>
+                <a:hlinkClick r:id="rId3"/>
               </a:rPr>
               <a:t>https://</a:t>
             </a:r>
             <a:r>
               <a:rPr lang="en-US" sz="2400" dirty="0" smtClean="0">
-                <a:hlinkClick r:id="rId2"/>
+                <a:hlinkClick r:id="rId3"/>
               </a:rPr>
               <a:t>github.com/kontur-edu/kampus-ekb-2014-03.git</a:t>
             </a:r>
@@ -9891,7 +9932,6 @@
               <a:rPr lang="en-US" sz="2400" dirty="0" smtClean="0"/>
               <a:t> </a:t>
             </a:r>
-            <a:endParaRPr lang="en-US" sz="2400" dirty="0" smtClean="0"/>
           </a:p>
           <a:p>
             <a:pPr marL="0" indent="0">
@@ -9933,7 +9973,7 @@
           <p:nvPr/>
         </p:nvPicPr>
         <p:blipFill>
-          <a:blip r:embed="rId3">
+          <a:blip r:embed="rId4">
             <a:extLst>
               <a:ext uri="{28A0092B-C50C-407E-A947-70E740481C1C}">
                 <a14:useLocalDpi xmlns:a14="http://schemas.microsoft.com/office/drawing/2010/main" val="0"/>
@@ -10034,13 +10074,13 @@
           <a:p>
             <a:r>
               <a:rPr lang="en-US" sz="4400" dirty="0">
-                <a:hlinkClick r:id="rId4"/>
+                <a:hlinkClick r:id="rId5"/>
               </a:rPr>
               <a:t>http://</a:t>
             </a:r>
             <a:r>
               <a:rPr lang="en-US" sz="4400" dirty="0" smtClean="0">
-                <a:hlinkClick r:id="rId4"/>
+                <a:hlinkClick r:id="rId5"/>
               </a:rPr>
               <a:t>git-scm.com/book/ru</a:t>
             </a:r>

--- a/04-git/Git.pptx
+++ b/04-git/Git.pptx
@@ -6630,7 +6630,7 @@
               </a:rPr>
               <a:t>init</a:t>
             </a:r>
-            <a:endParaRPr lang="en-US" dirty="0" smtClean="0">
+            <a:endParaRPr lang="ru-RU" dirty="0" smtClean="0">
               <a:solidFill>
                 <a:schemeClr val="bg1">
                   <a:lumMod val="50000"/>
@@ -6643,6 +6643,26 @@
               <a:buNone/>
             </a:pPr>
             <a:r>
+              <a:rPr lang="en-US" b="1" dirty="0">
+                <a:solidFill>
+                  <a:schemeClr val="accent2">
+                    <a:lumMod val="50000"/>
+                  </a:schemeClr>
+                </a:solidFill>
+              </a:rPr>
+              <a:t>$ </a:t>
+            </a:r>
+            <a:r>
+              <a:rPr lang="en-US" b="1" dirty="0" err="1" smtClean="0">
+                <a:solidFill>
+                  <a:schemeClr val="accent2">
+                    <a:lumMod val="50000"/>
+                  </a:schemeClr>
+                </a:solidFill>
+              </a:rPr>
+              <a:t>git</a:t>
+            </a:r>
+            <a:r>
               <a:rPr lang="en-US" b="1" dirty="0" smtClean="0">
                 <a:solidFill>
                   <a:schemeClr val="accent2">
@@ -6650,6 +6670,28 @@
                   </a:schemeClr>
                 </a:solidFill>
               </a:rPr>
+              <a:t> fetch</a:t>
+            </a:r>
+            <a:endParaRPr lang="en-US" b="1" dirty="0">
+              <a:solidFill>
+                <a:schemeClr val="accent2">
+                  <a:lumMod val="50000"/>
+                </a:schemeClr>
+              </a:solidFill>
+            </a:endParaRPr>
+          </a:p>
+          <a:p>
+            <a:pPr marL="0" indent="0">
+              <a:buNone/>
+            </a:pPr>
+            <a:r>
+              <a:rPr lang="en-US" b="1" dirty="0" smtClean="0">
+                <a:solidFill>
+                  <a:schemeClr val="accent2">
+                    <a:lumMod val="50000"/>
+                  </a:schemeClr>
+                </a:solidFill>
+              </a:rPr>
               <a:t>$ </a:t>
             </a:r>
             <a:r>
@@ -6670,8 +6712,75 @@
                   </a:schemeClr>
                 </a:solidFill>
               </a:rPr>
-              <a:t> pull</a:t>
-            </a:r>
+              <a:t> </a:t>
+            </a:r>
+            <a:r>
+              <a:rPr lang="en-US" b="1" dirty="0">
+                <a:solidFill>
+                  <a:schemeClr val="accent2">
+                    <a:lumMod val="50000"/>
+                  </a:schemeClr>
+                </a:solidFill>
+              </a:rPr>
+              <a:t>pull  </a:t>
+            </a:r>
+            <a:r>
+              <a:rPr lang="en-US" dirty="0">
+                <a:solidFill>
+                  <a:schemeClr val="bg1">
+                    <a:lumMod val="50000"/>
+                  </a:schemeClr>
+                </a:solidFill>
+              </a:rPr>
+              <a:t>//</a:t>
+            </a:r>
+            <a:r>
+              <a:rPr lang="ru-RU" dirty="0">
+                <a:solidFill>
+                  <a:schemeClr val="bg1">
+                    <a:lumMod val="50000"/>
+                  </a:schemeClr>
+                </a:solidFill>
+              </a:rPr>
+              <a:t>вместо </a:t>
+            </a:r>
+            <a:r>
+              <a:rPr lang="en-US" dirty="0" err="1">
+                <a:solidFill>
+                  <a:schemeClr val="bg1">
+                    <a:lumMod val="50000"/>
+                  </a:schemeClr>
+                </a:solidFill>
+              </a:rPr>
+              <a:t>git</a:t>
+            </a:r>
+            <a:r>
+              <a:rPr lang="en-US" dirty="0">
+                <a:solidFill>
+                  <a:schemeClr val="bg1">
+                    <a:lumMod val="50000"/>
+                  </a:schemeClr>
+                </a:solidFill>
+              </a:rPr>
+              <a:t> </a:t>
+            </a:r>
+            <a:r>
+              <a:rPr lang="en-US" dirty="0" smtClean="0">
+                <a:solidFill>
+                  <a:schemeClr val="bg1">
+                    <a:lumMod val="50000"/>
+                  </a:schemeClr>
+                </a:solidFill>
+              </a:rPr>
+              <a:t>fetch + get merge</a:t>
+            </a:r>
+            <a:endParaRPr lang="en-US" b="1" dirty="0" smtClean="0">
+              <a:solidFill>
+                <a:schemeClr val="accent2">
+                  <a:lumMod val="50000"/>
+                </a:schemeClr>
+              </a:solidFill>
+            </a:endParaRPr>
           </a:p>
           <a:p>
             <a:pPr marL="0" indent="0">
@@ -6803,7 +6912,7 @@
                                         <p:tgtEl>
                                           <p:spTgt spid="3">
                                             <p:txEl>
-                                              <p:pRg st="2" end="2"/>
+                                              <p:pRg st="3" end="3"/>
                                             </p:txEl>
                                           </p:spTgt>
                                         </p:tgtEl>
@@ -6834,7 +6943,7 @@
                                         <p:tgtEl>
                                           <p:spTgt spid="3">
                                             <p:txEl>
-                                              <p:pRg st="3" end="3"/>
+                                              <p:pRg st="4" end="4"/>
                                             </p:txEl>
                                           </p:spTgt>
                                         </p:tgtEl>
@@ -6883,7 +6992,7 @@
                                         <p:tgtEl>
                                           <p:spTgt spid="3">
                                             <p:txEl>
-                                              <p:pRg st="4" end="4"/>
+                                              <p:pRg st="5" end="5"/>
                                             </p:txEl>
                                           </p:spTgt>
                                         </p:tgtEl>
